--- a/Data Analysis with Python.pptx
+++ b/Data Analysis with Python.pptx
@@ -249,7 +249,7 @@
           <a:p>
             <a:fld id="{1D8BD707-D9CF-40AE-B4C6-C98DA3205C09}" type="datetimeFigureOut">
               <a:rPr lang="en-US"/>
-              <a:t>4/15/2025</a:t>
+              <a:t>5/23/2025</a:t>
             </a:fld>
             <a:endParaRPr lang="en-US"/>
           </a:p>
@@ -414,7 +414,7 @@
           <a:p>
             <a:fld id="{1D8BD707-D9CF-40AE-B4C6-C98DA3205C09}" type="datetimeFigureOut">
               <a:rPr lang="en-US"/>
-              <a:t>4/15/2025</a:t>
+              <a:t>5/23/2025</a:t>
             </a:fld>
             <a:endParaRPr lang="en-US"/>
           </a:p>
@@ -622,7 +622,7 @@
           <a:p>
             <a:fld id="{1D8BD707-D9CF-40AE-B4C6-C98DA3205C09}" type="datetimeFigureOut">
               <a:rPr lang="en-US"/>
-              <a:t>4/15/2025</a:t>
+              <a:t>5/23/2025</a:t>
             </a:fld>
             <a:endParaRPr lang="en-US"/>
           </a:p>
@@ -764,7 +764,7 @@
           <a:p>
             <a:fld id="{1D8BD707-D9CF-40AE-B4C6-C98DA3205C09}" type="datetimeFigureOut">
               <a:rPr lang="en-US"/>
-              <a:t>4/15/2025</a:t>
+              <a:t>5/23/2025</a:t>
             </a:fld>
             <a:endParaRPr lang="en-US"/>
           </a:p>
@@ -883,7 +883,7 @@
           <a:p>
             <a:fld id="{1D8BD707-D9CF-40AE-B4C6-C98DA3205C09}" type="datetimeFigureOut">
               <a:rPr lang="en-US"/>
-              <a:t>4/15/2025</a:t>
+              <a:t>5/23/2025</a:t>
             </a:fld>
             <a:endParaRPr lang="en-US"/>
           </a:p>
@@ -1118,7 +1118,7 @@
           <a:p>
             <a:fld id="{1D8BD707-D9CF-40AE-B4C6-C98DA3205C09}" type="datetimeFigureOut">
               <a:rPr lang="en-US"/>
-              <a:t>4/15/2025</a:t>
+              <a:t>5/23/2025</a:t>
             </a:fld>
             <a:endParaRPr lang="en-US"/>
           </a:p>
@@ -1350,7 +1350,7 @@
         <p:spPr>
           <a:xfrm>
             <a:off x="1524000" y="133350"/>
-            <a:ext cx="6858000" cy="1367682"/>
+            <a:ext cx="6858000" cy="690574"/>
           </a:xfrm>
           <a:prstGeom prst="rect">
             <a:avLst/>
@@ -1438,37 +1438,7 @@
                 <a:latin typeface="Calibri"/>
                 <a:cs typeface="Calibri"/>
               </a:rPr>
-              <a:t>Analysis </a:t>
-            </a:r>
-            <a:r>
-              <a:rPr sz="4400" dirty="0">
-                <a:solidFill>
-                  <a:srgbClr val="FFFFFF"/>
-                </a:solidFill>
-                <a:latin typeface="Calibri"/>
-                <a:cs typeface="Calibri"/>
-              </a:rPr>
-              <a:t>Full</a:t>
-            </a:r>
-            <a:r>
-              <a:rPr sz="4400" spc="-75" dirty="0">
-                <a:solidFill>
-                  <a:srgbClr val="FFFFFF"/>
-                </a:solidFill>
-                <a:latin typeface="Calibri"/>
-                <a:cs typeface="Calibri"/>
-              </a:rPr>
-              <a:t> </a:t>
-            </a:r>
-            <a:r>
-              <a:rPr sz="4400" spc="-10" dirty="0">
-                <a:solidFill>
-                  <a:srgbClr val="FFFFFF"/>
-                </a:solidFill>
-                <a:latin typeface="Calibri"/>
-                <a:cs typeface="Calibri"/>
-              </a:rPr>
-              <a:t>Project</a:t>
+              <a:t>Analysis</a:t>
             </a:r>
             <a:endParaRPr sz="4400" dirty="0">
               <a:latin typeface="Calibri"/>
@@ -1916,8 +1886,8 @@
         </p:nvSpPr>
         <p:spPr>
           <a:xfrm>
-            <a:off x="360070" y="455803"/>
-            <a:ext cx="8551545" cy="3744615"/>
+            <a:off x="360071" y="455803"/>
+            <a:ext cx="8402930" cy="4021614"/>
           </a:xfrm>
           <a:prstGeom prst="rect">
             <a:avLst/>
@@ -1929,7 +1899,7 @@
           </a:bodyPr>
           <a:lstStyle/>
           <a:p>
-            <a:pPr marL="354965" indent="-342265" algn="l">
+            <a:pPr marL="298450" indent="-285750" algn="just">
               <a:lnSpc>
                 <a:spcPct val="100000"/>
               </a:lnSpc>
@@ -1939,14 +1909,24 @@
               <a:buClr>
                 <a:srgbClr val="FFFFFF"/>
               </a:buClr>
-              <a:buFont typeface="Calibri"/>
-              <a:buAutoNum type="arabicPeriod"/>
+              <a:buFont typeface="Wingdings" panose="05000000000000000000" pitchFamily="2" charset="2"/>
+              <a:buChar char="Ø"/>
               <a:tabLst>
                 <a:tab pos="354965" algn="l"/>
               </a:tabLst>
             </a:pPr>
             <a:r>
-              <a:rPr sz="1800" spc="-35" dirty="0">
+              <a:rPr lang="en-US" spc="-35" dirty="0">
+                <a:solidFill>
+                  <a:srgbClr val="FFFFFF"/>
+                </a:solidFill>
+                <a:latin typeface="Calibri"/>
+                <a:cs typeface="Calibri"/>
+              </a:rPr>
+              <a:t>1.</a:t>
+            </a:r>
+            <a:r>
+              <a:rPr spc="-35" dirty="0">
                 <a:solidFill>
                   <a:srgbClr val="FFFFFF"/>
                 </a:solidFill>
@@ -1956,17 +1936,17 @@
               <a:t>You</a:t>
             </a:r>
             <a:r>
-              <a:rPr sz="1800" spc="-45" dirty="0">
-                <a:solidFill>
-                  <a:srgbClr val="FFFFFF"/>
-                </a:solidFill>
-                <a:latin typeface="Calibri"/>
-                <a:cs typeface="Calibri"/>
-              </a:rPr>
-              <a:t> </a:t>
-            </a:r>
-            <a:r>
-              <a:rPr sz="1800" dirty="0">
+              <a:rPr spc="-45" dirty="0">
+                <a:solidFill>
+                  <a:srgbClr val="FFFFFF"/>
+                </a:solidFill>
+                <a:latin typeface="Calibri"/>
+                <a:cs typeface="Calibri"/>
+              </a:rPr>
+              <a:t> </a:t>
+            </a:r>
+            <a:r>
+              <a:rPr dirty="0">
                 <a:solidFill>
                   <a:srgbClr val="FFFFFF"/>
                 </a:solidFill>
@@ -1976,17 +1956,17 @@
               <a:t>need</a:t>
             </a:r>
             <a:r>
-              <a:rPr sz="1800" spc="-40" dirty="0">
-                <a:solidFill>
-                  <a:srgbClr val="FFFFFF"/>
-                </a:solidFill>
-                <a:latin typeface="Calibri"/>
-                <a:cs typeface="Calibri"/>
-              </a:rPr>
-              <a:t> </a:t>
-            </a:r>
-            <a:r>
-              <a:rPr sz="1800" dirty="0">
+              <a:rPr spc="-40" dirty="0">
+                <a:solidFill>
+                  <a:srgbClr val="FFFFFF"/>
+                </a:solidFill>
+                <a:latin typeface="Calibri"/>
+                <a:cs typeface="Calibri"/>
+              </a:rPr>
+              <a:t> </a:t>
+            </a:r>
+            <a:r>
+              <a:rPr dirty="0">
                 <a:solidFill>
                   <a:srgbClr val="FFFFFF"/>
                 </a:solidFill>
@@ -1996,17 +1976,17 @@
               <a:t>to</a:t>
             </a:r>
             <a:r>
-              <a:rPr sz="1800" spc="-45" dirty="0">
-                <a:solidFill>
-                  <a:srgbClr val="FFFFFF"/>
-                </a:solidFill>
-                <a:latin typeface="Calibri"/>
-                <a:cs typeface="Calibri"/>
-              </a:rPr>
-              <a:t> </a:t>
-            </a:r>
-            <a:r>
-              <a:rPr sz="1800" dirty="0">
+              <a:rPr spc="-45" dirty="0">
+                <a:solidFill>
+                  <a:srgbClr val="FFFFFF"/>
+                </a:solidFill>
+                <a:latin typeface="Calibri"/>
+                <a:cs typeface="Calibri"/>
+              </a:rPr>
+              <a:t> </a:t>
+            </a:r>
+            <a:r>
+              <a:rPr dirty="0">
                 <a:solidFill>
                   <a:srgbClr val="FFFFFF"/>
                 </a:solidFill>
@@ -2016,17 +1996,17 @@
               <a:t>calculate</a:t>
             </a:r>
             <a:r>
-              <a:rPr sz="1800" spc="-25" dirty="0">
-                <a:solidFill>
-                  <a:srgbClr val="FFFFFF"/>
-                </a:solidFill>
-                <a:latin typeface="Calibri"/>
-                <a:cs typeface="Calibri"/>
-              </a:rPr>
-              <a:t> </a:t>
-            </a:r>
-            <a:r>
-              <a:rPr sz="1800" dirty="0">
+              <a:rPr spc="-25" dirty="0">
+                <a:solidFill>
+                  <a:srgbClr val="FFFFFF"/>
+                </a:solidFill>
+                <a:latin typeface="Calibri"/>
+                <a:cs typeface="Calibri"/>
+              </a:rPr>
+              <a:t> </a:t>
+            </a:r>
+            <a:r>
+              <a:rPr dirty="0">
                 <a:solidFill>
                   <a:srgbClr val="FFFFFF"/>
                 </a:solidFill>
@@ -2036,17 +2016,17 @@
               <a:t>the</a:t>
             </a:r>
             <a:r>
-              <a:rPr sz="1800" spc="-25" dirty="0">
-                <a:solidFill>
-                  <a:srgbClr val="FFFFFF"/>
-                </a:solidFill>
-                <a:latin typeface="Calibri"/>
-                <a:cs typeface="Calibri"/>
-              </a:rPr>
-              <a:t> </a:t>
-            </a:r>
-            <a:r>
-              <a:rPr sz="1800" dirty="0">
+              <a:rPr spc="-25" dirty="0">
+                <a:solidFill>
+                  <a:srgbClr val="FFFFFF"/>
+                </a:solidFill>
+                <a:latin typeface="Calibri"/>
+                <a:cs typeface="Calibri"/>
+              </a:rPr>
+              <a:t> </a:t>
+            </a:r>
+            <a:r>
+              <a:rPr dirty="0">
                 <a:solidFill>
                   <a:srgbClr val="FFFFFF"/>
                 </a:solidFill>
@@ -2056,17 +2036,17 @@
               <a:t>monthly</a:t>
             </a:r>
             <a:r>
-              <a:rPr sz="1800" spc="-45" dirty="0">
-                <a:solidFill>
-                  <a:srgbClr val="FFFFFF"/>
-                </a:solidFill>
-                <a:latin typeface="Calibri"/>
-                <a:cs typeface="Calibri"/>
-              </a:rPr>
-              <a:t> </a:t>
-            </a:r>
-            <a:r>
-              <a:rPr sz="1800" dirty="0">
+              <a:rPr spc="-45" dirty="0">
+                <a:solidFill>
+                  <a:srgbClr val="FFFFFF"/>
+                </a:solidFill>
+                <a:latin typeface="Calibri"/>
+                <a:cs typeface="Calibri"/>
+              </a:rPr>
+              <a:t> </a:t>
+            </a:r>
+            <a:r>
+              <a:rPr dirty="0">
                 <a:solidFill>
                   <a:srgbClr val="FFFFFF"/>
                 </a:solidFill>
@@ -2076,17 +2056,17 @@
               <a:t>sales</a:t>
             </a:r>
             <a:r>
-              <a:rPr sz="1800" spc="-55" dirty="0">
-                <a:solidFill>
-                  <a:srgbClr val="FFFFFF"/>
-                </a:solidFill>
-                <a:latin typeface="Calibri"/>
-                <a:cs typeface="Calibri"/>
-              </a:rPr>
-              <a:t> </a:t>
-            </a:r>
-            <a:r>
-              <a:rPr sz="1800" dirty="0">
+              <a:rPr spc="-55" dirty="0">
+                <a:solidFill>
+                  <a:srgbClr val="FFFFFF"/>
+                </a:solidFill>
+                <a:latin typeface="Calibri"/>
+                <a:cs typeface="Calibri"/>
+              </a:rPr>
+              <a:t> </a:t>
+            </a:r>
+            <a:r>
+              <a:rPr dirty="0">
                 <a:solidFill>
                   <a:srgbClr val="FFFFFF"/>
                 </a:solidFill>
@@ -2096,17 +2076,17 @@
               <a:t>of</a:t>
             </a:r>
             <a:r>
-              <a:rPr sz="1800" spc="-30" dirty="0">
-                <a:solidFill>
-                  <a:srgbClr val="FFFFFF"/>
-                </a:solidFill>
-                <a:latin typeface="Calibri"/>
-                <a:cs typeface="Calibri"/>
-              </a:rPr>
-              <a:t> </a:t>
-            </a:r>
-            <a:r>
-              <a:rPr sz="1800" dirty="0">
+              <a:rPr spc="-30" dirty="0">
+                <a:solidFill>
+                  <a:srgbClr val="FFFFFF"/>
+                </a:solidFill>
+                <a:latin typeface="Calibri"/>
+                <a:cs typeface="Calibri"/>
+              </a:rPr>
+              <a:t> </a:t>
+            </a:r>
+            <a:r>
+              <a:rPr dirty="0">
                 <a:solidFill>
                   <a:srgbClr val="FFFFFF"/>
                 </a:solidFill>
@@ -2116,17 +2096,17 @@
               <a:t>the</a:t>
             </a:r>
             <a:r>
-              <a:rPr sz="1800" spc="-40" dirty="0">
-                <a:solidFill>
-                  <a:srgbClr val="FFFFFF"/>
-                </a:solidFill>
-                <a:latin typeface="Calibri"/>
-                <a:cs typeface="Calibri"/>
-              </a:rPr>
-              <a:t> </a:t>
-            </a:r>
-            <a:r>
-              <a:rPr sz="1800" dirty="0">
+              <a:rPr spc="-40" dirty="0">
+                <a:solidFill>
+                  <a:srgbClr val="FFFFFF"/>
+                </a:solidFill>
+                <a:latin typeface="Calibri"/>
+                <a:cs typeface="Calibri"/>
+              </a:rPr>
+              <a:t> </a:t>
+            </a:r>
+            <a:r>
+              <a:rPr dirty="0">
                 <a:solidFill>
                   <a:srgbClr val="FFFFFF"/>
                 </a:solidFill>
@@ -2136,17 +2116,17 @@
               <a:t>store</a:t>
             </a:r>
             <a:r>
-              <a:rPr sz="1800" spc="-45" dirty="0">
-                <a:solidFill>
-                  <a:srgbClr val="FFFFFF"/>
-                </a:solidFill>
-                <a:latin typeface="Calibri"/>
-                <a:cs typeface="Calibri"/>
-              </a:rPr>
-              <a:t> </a:t>
-            </a:r>
-            <a:r>
-              <a:rPr sz="1800" dirty="0">
+              <a:rPr spc="-45" dirty="0">
+                <a:solidFill>
+                  <a:srgbClr val="FFFFFF"/>
+                </a:solidFill>
+                <a:latin typeface="Calibri"/>
+                <a:cs typeface="Calibri"/>
+              </a:rPr>
+              <a:t> </a:t>
+            </a:r>
+            <a:r>
+              <a:rPr dirty="0">
                 <a:solidFill>
                   <a:srgbClr val="FFFFFF"/>
                 </a:solidFill>
@@ -2156,17 +2136,17 @@
               <a:t>and</a:t>
             </a:r>
             <a:r>
-              <a:rPr sz="1800" spc="-35" dirty="0">
-                <a:solidFill>
-                  <a:srgbClr val="FFFFFF"/>
-                </a:solidFill>
-                <a:latin typeface="Calibri"/>
-                <a:cs typeface="Calibri"/>
-              </a:rPr>
-              <a:t> </a:t>
-            </a:r>
-            <a:r>
-              <a:rPr sz="1800" dirty="0">
+              <a:rPr spc="-35" dirty="0">
+                <a:solidFill>
+                  <a:srgbClr val="FFFFFF"/>
+                </a:solidFill>
+                <a:latin typeface="Calibri"/>
+                <a:cs typeface="Calibri"/>
+              </a:rPr>
+              <a:t> </a:t>
+            </a:r>
+            <a:r>
+              <a:rPr dirty="0">
                 <a:solidFill>
                   <a:srgbClr val="FFFFFF"/>
                 </a:solidFill>
@@ -2176,17 +2156,17 @@
               <a:t>identify</a:t>
             </a:r>
             <a:r>
-              <a:rPr sz="1800" spc="-45" dirty="0">
-                <a:solidFill>
-                  <a:srgbClr val="FFFFFF"/>
-                </a:solidFill>
-                <a:latin typeface="Calibri"/>
-                <a:cs typeface="Calibri"/>
-              </a:rPr>
-              <a:t> </a:t>
-            </a:r>
-            <a:r>
-              <a:rPr sz="1800" dirty="0">
+              <a:rPr spc="-45" dirty="0">
+                <a:solidFill>
+                  <a:srgbClr val="FFFFFF"/>
+                </a:solidFill>
+                <a:latin typeface="Calibri"/>
+                <a:cs typeface="Calibri"/>
+              </a:rPr>
+              <a:t> </a:t>
+            </a:r>
+            <a:r>
+              <a:rPr dirty="0">
                 <a:solidFill>
                   <a:srgbClr val="FFFFFF"/>
                 </a:solidFill>
@@ -2196,17 +2176,17 @@
               <a:t>which</a:t>
             </a:r>
             <a:r>
-              <a:rPr sz="1800" spc="-30" dirty="0">
-                <a:solidFill>
-                  <a:srgbClr val="FFFFFF"/>
-                </a:solidFill>
-                <a:latin typeface="Calibri"/>
-                <a:cs typeface="Calibri"/>
-              </a:rPr>
-              <a:t> </a:t>
-            </a:r>
-            <a:r>
-              <a:rPr sz="1800" dirty="0">
+              <a:rPr spc="-30" dirty="0">
+                <a:solidFill>
+                  <a:srgbClr val="FFFFFF"/>
+                </a:solidFill>
+                <a:latin typeface="Calibri"/>
+                <a:cs typeface="Calibri"/>
+              </a:rPr>
+              <a:t> </a:t>
+            </a:r>
+            <a:r>
+              <a:rPr dirty="0">
                 <a:solidFill>
                   <a:srgbClr val="FFFFFF"/>
                 </a:solidFill>
@@ -2216,17 +2196,17 @@
               <a:t>month</a:t>
             </a:r>
             <a:r>
-              <a:rPr sz="1800" spc="-40" dirty="0">
-                <a:solidFill>
-                  <a:srgbClr val="FFFFFF"/>
-                </a:solidFill>
-                <a:latin typeface="Calibri"/>
-                <a:cs typeface="Calibri"/>
-              </a:rPr>
-              <a:t> </a:t>
-            </a:r>
-            <a:r>
-              <a:rPr sz="1800" dirty="0">
+              <a:rPr spc="-40" dirty="0">
+                <a:solidFill>
+                  <a:srgbClr val="FFFFFF"/>
+                </a:solidFill>
+                <a:latin typeface="Calibri"/>
+                <a:cs typeface="Calibri"/>
+              </a:rPr>
+              <a:t> </a:t>
+            </a:r>
+            <a:r>
+              <a:rPr dirty="0">
                 <a:solidFill>
                   <a:srgbClr val="FFFFFF"/>
                 </a:solidFill>
@@ -2236,17 +2216,17 @@
               <a:t>had</a:t>
             </a:r>
             <a:r>
-              <a:rPr sz="1800" spc="-35" dirty="0">
-                <a:solidFill>
-                  <a:srgbClr val="FFFFFF"/>
-                </a:solidFill>
-                <a:latin typeface="Calibri"/>
-                <a:cs typeface="Calibri"/>
-              </a:rPr>
-              <a:t> </a:t>
-            </a:r>
-            <a:r>
-              <a:rPr sz="1800" spc="-25" dirty="0">
+              <a:rPr spc="-35" dirty="0">
+                <a:solidFill>
+                  <a:srgbClr val="FFFFFF"/>
+                </a:solidFill>
+                <a:latin typeface="Calibri"/>
+                <a:cs typeface="Calibri"/>
+              </a:rPr>
+              <a:t> </a:t>
+            </a:r>
+            <a:r>
+              <a:rPr spc="-25" dirty="0">
                 <a:solidFill>
                   <a:srgbClr val="FFFFFF"/>
                 </a:solidFill>
@@ -2255,19 +2235,19 @@
               </a:rPr>
               <a:t>the</a:t>
             </a:r>
-            <a:endParaRPr sz="1800" dirty="0">
+            <a:endParaRPr dirty="0">
               <a:latin typeface="Calibri"/>
               <a:cs typeface="Calibri"/>
             </a:endParaRPr>
           </a:p>
           <a:p>
-            <a:pPr marL="354965" algn="l">
+            <a:pPr marL="354965" algn="just">
               <a:lnSpc>
                 <a:spcPct val="100000"/>
               </a:lnSpc>
             </a:pPr>
             <a:r>
-              <a:rPr sz="1800" dirty="0">
+              <a:rPr dirty="0">
                 <a:solidFill>
                   <a:srgbClr val="FFFFFF"/>
                 </a:solidFill>
@@ -2277,17 +2257,17 @@
               <a:t>highest</a:t>
             </a:r>
             <a:r>
-              <a:rPr sz="1800" spc="-35" dirty="0">
-                <a:solidFill>
-                  <a:srgbClr val="FFFFFF"/>
-                </a:solidFill>
-                <a:latin typeface="Calibri"/>
-                <a:cs typeface="Calibri"/>
-              </a:rPr>
-              <a:t> </a:t>
-            </a:r>
-            <a:r>
-              <a:rPr sz="1800" dirty="0">
+              <a:rPr spc="-35" dirty="0">
+                <a:solidFill>
+                  <a:srgbClr val="FFFFFF"/>
+                </a:solidFill>
+                <a:latin typeface="Calibri"/>
+                <a:cs typeface="Calibri"/>
+              </a:rPr>
+              <a:t> </a:t>
+            </a:r>
+            <a:r>
+              <a:rPr dirty="0">
                 <a:solidFill>
                   <a:srgbClr val="FFFFFF"/>
                 </a:solidFill>
@@ -2297,17 +2277,17 @@
               <a:t>sales</a:t>
             </a:r>
             <a:r>
-              <a:rPr sz="1800" spc="-45" dirty="0">
-                <a:solidFill>
-                  <a:srgbClr val="FFFFFF"/>
-                </a:solidFill>
-                <a:latin typeface="Calibri"/>
-                <a:cs typeface="Calibri"/>
-              </a:rPr>
-              <a:t> </a:t>
-            </a:r>
-            <a:r>
-              <a:rPr sz="1800" dirty="0">
+              <a:rPr spc="-45" dirty="0">
+                <a:solidFill>
+                  <a:srgbClr val="FFFFFF"/>
+                </a:solidFill>
+                <a:latin typeface="Calibri"/>
+                <a:cs typeface="Calibri"/>
+              </a:rPr>
+              <a:t> </a:t>
+            </a:r>
+            <a:r>
+              <a:rPr dirty="0">
                 <a:solidFill>
                   <a:srgbClr val="FFFFFF"/>
                 </a:solidFill>
@@ -2317,17 +2297,17 @@
               <a:t>and</a:t>
             </a:r>
             <a:r>
-              <a:rPr sz="1800" spc="-40" dirty="0">
-                <a:solidFill>
-                  <a:srgbClr val="FFFFFF"/>
-                </a:solidFill>
-                <a:latin typeface="Calibri"/>
-                <a:cs typeface="Calibri"/>
-              </a:rPr>
-              <a:t> </a:t>
-            </a:r>
-            <a:r>
-              <a:rPr sz="1800" dirty="0">
+              <a:rPr spc="-40" dirty="0">
+                <a:solidFill>
+                  <a:srgbClr val="FFFFFF"/>
+                </a:solidFill>
+                <a:latin typeface="Calibri"/>
+                <a:cs typeface="Calibri"/>
+              </a:rPr>
+              <a:t> </a:t>
+            </a:r>
+            <a:r>
+              <a:rPr dirty="0">
                 <a:solidFill>
                   <a:srgbClr val="FFFFFF"/>
                 </a:solidFill>
@@ -2337,17 +2317,17 @@
               <a:t>which</a:t>
             </a:r>
             <a:r>
-              <a:rPr sz="1800" spc="-15" dirty="0">
-                <a:solidFill>
-                  <a:srgbClr val="FFFFFF"/>
-                </a:solidFill>
-                <a:latin typeface="Calibri"/>
-                <a:cs typeface="Calibri"/>
-              </a:rPr>
-              <a:t> </a:t>
-            </a:r>
-            <a:r>
-              <a:rPr sz="1800" dirty="0">
+              <a:rPr spc="-15" dirty="0">
+                <a:solidFill>
+                  <a:srgbClr val="FFFFFF"/>
+                </a:solidFill>
+                <a:latin typeface="Calibri"/>
+                <a:cs typeface="Calibri"/>
+              </a:rPr>
+              <a:t> </a:t>
+            </a:r>
+            <a:r>
+              <a:rPr dirty="0">
                 <a:solidFill>
                   <a:srgbClr val="FFFFFF"/>
                 </a:solidFill>
@@ -2357,17 +2337,17 @@
               <a:t>month</a:t>
             </a:r>
             <a:r>
-              <a:rPr sz="1800" spc="-30" dirty="0">
-                <a:solidFill>
-                  <a:srgbClr val="FFFFFF"/>
-                </a:solidFill>
-                <a:latin typeface="Calibri"/>
-                <a:cs typeface="Calibri"/>
-              </a:rPr>
-              <a:t> </a:t>
-            </a:r>
-            <a:r>
-              <a:rPr sz="1800" dirty="0">
+              <a:rPr spc="-30" dirty="0">
+                <a:solidFill>
+                  <a:srgbClr val="FFFFFF"/>
+                </a:solidFill>
+                <a:latin typeface="Calibri"/>
+                <a:cs typeface="Calibri"/>
+              </a:rPr>
+              <a:t> </a:t>
+            </a:r>
+            <a:r>
+              <a:rPr dirty="0">
                 <a:solidFill>
                   <a:srgbClr val="FFFFFF"/>
                 </a:solidFill>
@@ -2377,17 +2357,17 @@
               <a:t>had</a:t>
             </a:r>
             <a:r>
-              <a:rPr sz="1800" spc="-40" dirty="0">
-                <a:solidFill>
-                  <a:srgbClr val="FFFFFF"/>
-                </a:solidFill>
-                <a:latin typeface="Calibri"/>
-                <a:cs typeface="Calibri"/>
-              </a:rPr>
-              <a:t> </a:t>
-            </a:r>
-            <a:r>
-              <a:rPr sz="1800" dirty="0">
+              <a:rPr spc="-40" dirty="0">
+                <a:solidFill>
+                  <a:srgbClr val="FFFFFF"/>
+                </a:solidFill>
+                <a:latin typeface="Calibri"/>
+                <a:cs typeface="Calibri"/>
+              </a:rPr>
+              <a:t> </a:t>
+            </a:r>
+            <a:r>
+              <a:rPr dirty="0">
                 <a:solidFill>
                   <a:srgbClr val="FFFFFF"/>
                 </a:solidFill>
@@ -2397,17 +2377,17 @@
               <a:t>the</a:t>
             </a:r>
             <a:r>
-              <a:rPr sz="1800" spc="-20" dirty="0">
-                <a:solidFill>
-                  <a:srgbClr val="FFFFFF"/>
-                </a:solidFill>
-                <a:latin typeface="Calibri"/>
-                <a:cs typeface="Calibri"/>
-              </a:rPr>
-              <a:t> </a:t>
-            </a:r>
-            <a:r>
-              <a:rPr sz="1800" dirty="0">
+              <a:rPr spc="-20" dirty="0">
+                <a:solidFill>
+                  <a:srgbClr val="FFFFFF"/>
+                </a:solidFill>
+                <a:latin typeface="Calibri"/>
+                <a:cs typeface="Calibri"/>
+              </a:rPr>
+              <a:t> </a:t>
+            </a:r>
+            <a:r>
+              <a:rPr dirty="0">
                 <a:solidFill>
                   <a:srgbClr val="FFFFFF"/>
                 </a:solidFill>
@@ -2417,17 +2397,17 @@
               <a:t>lowest</a:t>
             </a:r>
             <a:r>
-              <a:rPr sz="1800" spc="-30" dirty="0">
-                <a:solidFill>
-                  <a:srgbClr val="FFFFFF"/>
-                </a:solidFill>
-                <a:latin typeface="Calibri"/>
-                <a:cs typeface="Calibri"/>
-              </a:rPr>
-              <a:t> </a:t>
-            </a:r>
-            <a:r>
-              <a:rPr sz="1800" spc="-10" dirty="0">
+              <a:rPr spc="-30" dirty="0">
+                <a:solidFill>
+                  <a:srgbClr val="FFFFFF"/>
+                </a:solidFill>
+                <a:latin typeface="Calibri"/>
+                <a:cs typeface="Calibri"/>
+              </a:rPr>
+              <a:t> </a:t>
+            </a:r>
+            <a:r>
+              <a:rPr spc="-10" dirty="0">
                 <a:solidFill>
                   <a:srgbClr val="FFFFFF"/>
                 </a:solidFill>
@@ -2436,7 +2416,7 @@
               </a:rPr>
               <a:t>sales.</a:t>
             </a:r>
-            <a:endParaRPr lang="en-US" sz="1800" spc="-10" dirty="0">
+            <a:endParaRPr lang="en-US" spc="-10" dirty="0">
               <a:solidFill>
                 <a:srgbClr val="FFFFFF"/>
               </a:solidFill>
@@ -2445,20 +2425,21 @@
             </a:endParaRPr>
           </a:p>
           <a:p>
-            <a:pPr marL="12700" marR="5080" indent="224154" algn="l">
+            <a:pPr marL="298450" marR="5080" indent="-285750" algn="just">
               <a:lnSpc>
                 <a:spcPct val="100000"/>
               </a:lnSpc>
               <a:spcBef>
                 <a:spcPts val="1260"/>
               </a:spcBef>
-              <a:buAutoNum type="arabicPeriod" startAt="2"/>
+              <a:buFont typeface="Wingdings" panose="05000000000000000000" pitchFamily="2" charset="2"/>
+              <a:buChar char="Ø"/>
               <a:tabLst>
                 <a:tab pos="236854" algn="l"/>
               </a:tabLst>
             </a:pPr>
             <a:r>
-              <a:rPr sz="1800" spc="-40" dirty="0">
+              <a:rPr spc="-40" dirty="0">
                 <a:solidFill>
                   <a:srgbClr val="FFFFFF"/>
                 </a:solidFill>
@@ -2468,17 +2449,17 @@
               <a:t>You</a:t>
             </a:r>
             <a:r>
-              <a:rPr sz="1800" spc="-60" dirty="0">
-                <a:solidFill>
-                  <a:srgbClr val="FFFFFF"/>
-                </a:solidFill>
-                <a:latin typeface="Calibri"/>
-                <a:cs typeface="Calibri"/>
-              </a:rPr>
-              <a:t> </a:t>
-            </a:r>
-            <a:r>
-              <a:rPr sz="1800" dirty="0">
+              <a:rPr spc="-60" dirty="0">
+                <a:solidFill>
+                  <a:srgbClr val="FFFFFF"/>
+                </a:solidFill>
+                <a:latin typeface="Calibri"/>
+                <a:cs typeface="Calibri"/>
+              </a:rPr>
+              <a:t> </a:t>
+            </a:r>
+            <a:r>
+              <a:rPr dirty="0">
                 <a:solidFill>
                   <a:srgbClr val="FFFFFF"/>
                 </a:solidFill>
@@ -2488,17 +2469,17 @@
               <a:t>need</a:t>
             </a:r>
             <a:r>
-              <a:rPr sz="1800" spc="-40" dirty="0">
-                <a:solidFill>
-                  <a:srgbClr val="FFFFFF"/>
-                </a:solidFill>
-                <a:latin typeface="Calibri"/>
-                <a:cs typeface="Calibri"/>
-              </a:rPr>
-              <a:t> </a:t>
-            </a:r>
-            <a:r>
-              <a:rPr sz="1800" dirty="0">
+              <a:rPr spc="-40" dirty="0">
+                <a:solidFill>
+                  <a:srgbClr val="FFFFFF"/>
+                </a:solidFill>
+                <a:latin typeface="Calibri"/>
+                <a:cs typeface="Calibri"/>
+              </a:rPr>
+              <a:t> </a:t>
+            </a:r>
+            <a:r>
+              <a:rPr dirty="0">
                 <a:solidFill>
                   <a:srgbClr val="FFFFFF"/>
                 </a:solidFill>
@@ -2508,17 +2489,17 @@
               <a:t>to</a:t>
             </a:r>
             <a:r>
-              <a:rPr sz="1800" spc="-55" dirty="0">
-                <a:solidFill>
-                  <a:srgbClr val="FFFFFF"/>
-                </a:solidFill>
-                <a:latin typeface="Calibri"/>
-                <a:cs typeface="Calibri"/>
-              </a:rPr>
-              <a:t> </a:t>
-            </a:r>
-            <a:r>
-              <a:rPr sz="1800" dirty="0">
+              <a:rPr spc="-55" dirty="0">
+                <a:solidFill>
+                  <a:srgbClr val="FFFFFF"/>
+                </a:solidFill>
+                <a:latin typeface="Calibri"/>
+                <a:cs typeface="Calibri"/>
+              </a:rPr>
+              <a:t> </a:t>
+            </a:r>
+            <a:r>
+              <a:rPr dirty="0">
                 <a:solidFill>
                   <a:srgbClr val="FFFFFF"/>
                 </a:solidFill>
@@ -2528,17 +2509,17 @@
               <a:t>analyze</a:t>
             </a:r>
             <a:r>
-              <a:rPr sz="1800" spc="-55" dirty="0">
-                <a:solidFill>
-                  <a:srgbClr val="FFFFFF"/>
-                </a:solidFill>
-                <a:latin typeface="Calibri"/>
-                <a:cs typeface="Calibri"/>
-              </a:rPr>
-              <a:t> </a:t>
-            </a:r>
-            <a:r>
-              <a:rPr sz="1800" dirty="0">
+              <a:rPr spc="-55" dirty="0">
+                <a:solidFill>
+                  <a:srgbClr val="FFFFFF"/>
+                </a:solidFill>
+                <a:latin typeface="Calibri"/>
+                <a:cs typeface="Calibri"/>
+              </a:rPr>
+              <a:t> </a:t>
+            </a:r>
+            <a:r>
+              <a:rPr dirty="0">
                 <a:solidFill>
                   <a:srgbClr val="FFFFFF"/>
                 </a:solidFill>
@@ -2548,17 +2529,17 @@
               <a:t>sales</a:t>
             </a:r>
             <a:r>
-              <a:rPr sz="1800" spc="-60" dirty="0">
-                <a:solidFill>
-                  <a:srgbClr val="FFFFFF"/>
-                </a:solidFill>
-                <a:latin typeface="Calibri"/>
-                <a:cs typeface="Calibri"/>
-              </a:rPr>
-              <a:t> </a:t>
-            </a:r>
-            <a:r>
-              <a:rPr sz="1800" dirty="0">
+              <a:rPr spc="-60" dirty="0">
+                <a:solidFill>
+                  <a:srgbClr val="FFFFFF"/>
+                </a:solidFill>
+                <a:latin typeface="Calibri"/>
+                <a:cs typeface="Calibri"/>
+              </a:rPr>
+              <a:t> </a:t>
+            </a:r>
+            <a:r>
+              <a:rPr dirty="0">
                 <a:solidFill>
                   <a:srgbClr val="FFFFFF"/>
                 </a:solidFill>
@@ -2568,17 +2549,17 @@
               <a:t>based</a:t>
             </a:r>
             <a:r>
-              <a:rPr sz="1800" spc="-60" dirty="0">
-                <a:solidFill>
-                  <a:srgbClr val="FFFFFF"/>
-                </a:solidFill>
-                <a:latin typeface="Calibri"/>
-                <a:cs typeface="Calibri"/>
-              </a:rPr>
-              <a:t> </a:t>
-            </a:r>
-            <a:r>
-              <a:rPr sz="1800" dirty="0">
+              <a:rPr spc="-60" dirty="0">
+                <a:solidFill>
+                  <a:srgbClr val="FFFFFF"/>
+                </a:solidFill>
+                <a:latin typeface="Calibri"/>
+                <a:cs typeface="Calibri"/>
+              </a:rPr>
+              <a:t> </a:t>
+            </a:r>
+            <a:r>
+              <a:rPr dirty="0">
                 <a:solidFill>
                   <a:srgbClr val="FFFFFF"/>
                 </a:solidFill>
@@ -2588,17 +2569,17 @@
               <a:t>on</a:t>
             </a:r>
             <a:r>
-              <a:rPr sz="1800" spc="-45" dirty="0">
-                <a:solidFill>
-                  <a:srgbClr val="FFFFFF"/>
-                </a:solidFill>
-                <a:latin typeface="Calibri"/>
-                <a:cs typeface="Calibri"/>
-              </a:rPr>
-              <a:t> </a:t>
-            </a:r>
-            <a:r>
-              <a:rPr sz="1800" dirty="0">
+              <a:rPr spc="-45" dirty="0">
+                <a:solidFill>
+                  <a:srgbClr val="FFFFFF"/>
+                </a:solidFill>
+                <a:latin typeface="Calibri"/>
+                <a:cs typeface="Calibri"/>
+              </a:rPr>
+              <a:t> </a:t>
+            </a:r>
+            <a:r>
+              <a:rPr dirty="0">
                 <a:solidFill>
                   <a:srgbClr val="FFFFFF"/>
                 </a:solidFill>
@@ -2608,17 +2589,17 @@
               <a:t>product</a:t>
             </a:r>
             <a:r>
-              <a:rPr sz="1800" spc="-45" dirty="0">
-                <a:solidFill>
-                  <a:srgbClr val="FFFFFF"/>
-                </a:solidFill>
-                <a:latin typeface="Calibri"/>
-                <a:cs typeface="Calibri"/>
-              </a:rPr>
-              <a:t> </a:t>
-            </a:r>
-            <a:r>
-              <a:rPr sz="1800" spc="-10" dirty="0">
+              <a:rPr spc="-45" dirty="0">
+                <a:solidFill>
+                  <a:srgbClr val="FFFFFF"/>
+                </a:solidFill>
+                <a:latin typeface="Calibri"/>
+                <a:cs typeface="Calibri"/>
+              </a:rPr>
+              <a:t> </a:t>
+            </a:r>
+            <a:r>
+              <a:rPr spc="-10" dirty="0">
                 <a:solidFill>
                   <a:srgbClr val="FFFFFF"/>
                 </a:solidFill>
@@ -2628,17 +2609,17 @@
               <a:t>categories</a:t>
             </a:r>
             <a:r>
-              <a:rPr sz="1800" spc="-40" dirty="0">
-                <a:solidFill>
-                  <a:srgbClr val="FFFFFF"/>
-                </a:solidFill>
-                <a:latin typeface="Calibri"/>
-                <a:cs typeface="Calibri"/>
-              </a:rPr>
-              <a:t> </a:t>
-            </a:r>
-            <a:r>
-              <a:rPr sz="1800" dirty="0">
+              <a:rPr spc="-40" dirty="0">
+                <a:solidFill>
+                  <a:srgbClr val="FFFFFF"/>
+                </a:solidFill>
+                <a:latin typeface="Calibri"/>
+                <a:cs typeface="Calibri"/>
+              </a:rPr>
+              <a:t> </a:t>
+            </a:r>
+            <a:r>
+              <a:rPr dirty="0">
                 <a:solidFill>
                   <a:srgbClr val="FFFFFF"/>
                 </a:solidFill>
@@ -2648,17 +2629,17 @@
               <a:t>and</a:t>
             </a:r>
             <a:r>
-              <a:rPr sz="1800" spc="-50" dirty="0">
-                <a:solidFill>
-                  <a:srgbClr val="FFFFFF"/>
-                </a:solidFill>
-                <a:latin typeface="Calibri"/>
-                <a:cs typeface="Calibri"/>
-              </a:rPr>
-              <a:t> </a:t>
-            </a:r>
-            <a:r>
-              <a:rPr sz="1800" dirty="0">
+              <a:rPr spc="-50" dirty="0">
+                <a:solidFill>
+                  <a:srgbClr val="FFFFFF"/>
+                </a:solidFill>
+                <a:latin typeface="Calibri"/>
+                <a:cs typeface="Calibri"/>
+              </a:rPr>
+              <a:t> </a:t>
+            </a:r>
+            <a:r>
+              <a:rPr dirty="0">
                 <a:solidFill>
                   <a:srgbClr val="FFFFFF"/>
                 </a:solidFill>
@@ -2668,17 +2649,17 @@
               <a:t>determine</a:t>
             </a:r>
             <a:r>
-              <a:rPr sz="1800" spc="-30" dirty="0">
-                <a:solidFill>
-                  <a:srgbClr val="FFFFFF"/>
-                </a:solidFill>
-                <a:latin typeface="Calibri"/>
-                <a:cs typeface="Calibri"/>
-              </a:rPr>
-              <a:t> </a:t>
-            </a:r>
-            <a:r>
-              <a:rPr sz="1800" dirty="0">
+              <a:rPr spc="-30" dirty="0">
+                <a:solidFill>
+                  <a:srgbClr val="FFFFFF"/>
+                </a:solidFill>
+                <a:latin typeface="Calibri"/>
+                <a:cs typeface="Calibri"/>
+              </a:rPr>
+              <a:t> </a:t>
+            </a:r>
+            <a:r>
+              <a:rPr dirty="0">
                 <a:solidFill>
                   <a:srgbClr val="FFFFFF"/>
                 </a:solidFill>
@@ -2688,17 +2669,17 @@
               <a:t>which</a:t>
             </a:r>
             <a:r>
-              <a:rPr sz="1800" spc="-30" dirty="0">
-                <a:solidFill>
-                  <a:srgbClr val="FFFFFF"/>
-                </a:solidFill>
-                <a:latin typeface="Calibri"/>
-                <a:cs typeface="Calibri"/>
-              </a:rPr>
-              <a:t> </a:t>
-            </a:r>
-            <a:r>
-              <a:rPr sz="1800" spc="-10" dirty="0">
+              <a:rPr spc="-30" dirty="0">
+                <a:solidFill>
+                  <a:srgbClr val="FFFFFF"/>
+                </a:solidFill>
+                <a:latin typeface="Calibri"/>
+                <a:cs typeface="Calibri"/>
+              </a:rPr>
+              <a:t> </a:t>
+            </a:r>
+            <a:r>
+              <a:rPr spc="-10" dirty="0">
                 <a:solidFill>
                   <a:srgbClr val="FFFFFF"/>
                 </a:solidFill>
@@ -2708,17 +2689,17 @@
               <a:t>category</a:t>
             </a:r>
             <a:r>
-              <a:rPr sz="1800" spc="-50" dirty="0">
-                <a:solidFill>
-                  <a:srgbClr val="FFFFFF"/>
-                </a:solidFill>
-                <a:latin typeface="Calibri"/>
-                <a:cs typeface="Calibri"/>
-              </a:rPr>
-              <a:t> </a:t>
-            </a:r>
-            <a:r>
-              <a:rPr sz="1800" spc="-25" dirty="0">
+              <a:rPr spc="-50" dirty="0">
+                <a:solidFill>
+                  <a:srgbClr val="FFFFFF"/>
+                </a:solidFill>
+                <a:latin typeface="Calibri"/>
+                <a:cs typeface="Calibri"/>
+              </a:rPr>
+              <a:t> </a:t>
+            </a:r>
+            <a:r>
+              <a:rPr spc="-25" dirty="0">
                 <a:solidFill>
                   <a:srgbClr val="FFFFFF"/>
                 </a:solidFill>
@@ -2728,7 +2709,7 @@
               <a:t>has </a:t>
             </a:r>
             <a:r>
-              <a:rPr sz="1800" dirty="0">
+              <a:rPr dirty="0">
                 <a:solidFill>
                   <a:srgbClr val="FFFFFF"/>
                 </a:solidFill>
@@ -2738,17 +2719,17 @@
               <a:t>the</a:t>
             </a:r>
             <a:r>
-              <a:rPr sz="1800" spc="-20" dirty="0">
-                <a:solidFill>
-                  <a:srgbClr val="FFFFFF"/>
-                </a:solidFill>
-                <a:latin typeface="Calibri"/>
-                <a:cs typeface="Calibri"/>
-              </a:rPr>
-              <a:t> </a:t>
-            </a:r>
-            <a:r>
-              <a:rPr sz="1800" spc="-10" dirty="0">
+              <a:rPr spc="-20" dirty="0">
+                <a:solidFill>
+                  <a:srgbClr val="FFFFFF"/>
+                </a:solidFill>
+                <a:latin typeface="Calibri"/>
+                <a:cs typeface="Calibri"/>
+              </a:rPr>
+              <a:t> </a:t>
+            </a:r>
+            <a:r>
+              <a:rPr spc="-10" dirty="0">
                 <a:solidFill>
                   <a:srgbClr val="FFFFFF"/>
                 </a:solidFill>
@@ -2758,17 +2739,17 @@
               <a:t>lowest</a:t>
             </a:r>
             <a:r>
-              <a:rPr sz="1800" spc="-40" dirty="0">
-                <a:solidFill>
-                  <a:srgbClr val="FFFFFF"/>
-                </a:solidFill>
-                <a:latin typeface="Calibri"/>
-                <a:cs typeface="Calibri"/>
-              </a:rPr>
-              <a:t> </a:t>
-            </a:r>
-            <a:r>
-              <a:rPr sz="1800" dirty="0">
+              <a:rPr spc="-40" dirty="0">
+                <a:solidFill>
+                  <a:srgbClr val="FFFFFF"/>
+                </a:solidFill>
+                <a:latin typeface="Calibri"/>
+                <a:cs typeface="Calibri"/>
+              </a:rPr>
+              <a:t> </a:t>
+            </a:r>
+            <a:r>
+              <a:rPr dirty="0">
                 <a:solidFill>
                   <a:srgbClr val="FFFFFF"/>
                 </a:solidFill>
@@ -2778,17 +2759,17 @@
               <a:t>sales</a:t>
             </a:r>
             <a:r>
-              <a:rPr sz="1800" spc="-35" dirty="0">
-                <a:solidFill>
-                  <a:srgbClr val="FFFFFF"/>
-                </a:solidFill>
-                <a:latin typeface="Calibri"/>
-                <a:cs typeface="Calibri"/>
-              </a:rPr>
-              <a:t> </a:t>
-            </a:r>
-            <a:r>
-              <a:rPr sz="1800" dirty="0">
+              <a:rPr spc="-35" dirty="0">
+                <a:solidFill>
+                  <a:srgbClr val="FFFFFF"/>
+                </a:solidFill>
+                <a:latin typeface="Calibri"/>
+                <a:cs typeface="Calibri"/>
+              </a:rPr>
+              <a:t> </a:t>
+            </a:r>
+            <a:r>
+              <a:rPr dirty="0">
                 <a:solidFill>
                   <a:srgbClr val="FFFFFF"/>
                 </a:solidFill>
@@ -2798,17 +2779,17 @@
               <a:t>and</a:t>
             </a:r>
             <a:r>
-              <a:rPr sz="1800" spc="-40" dirty="0">
-                <a:solidFill>
-                  <a:srgbClr val="FFFFFF"/>
-                </a:solidFill>
-                <a:latin typeface="Calibri"/>
-                <a:cs typeface="Calibri"/>
-              </a:rPr>
-              <a:t> </a:t>
-            </a:r>
-            <a:r>
-              <a:rPr sz="1800" dirty="0">
+              <a:rPr spc="-40" dirty="0">
+                <a:solidFill>
+                  <a:srgbClr val="FFFFFF"/>
+                </a:solidFill>
+                <a:latin typeface="Calibri"/>
+                <a:cs typeface="Calibri"/>
+              </a:rPr>
+              <a:t> </a:t>
+            </a:r>
+            <a:r>
+              <a:rPr dirty="0">
                 <a:solidFill>
                   <a:srgbClr val="FFFFFF"/>
                 </a:solidFill>
@@ -2818,7 +2799,7 @@
               <a:t>which</a:t>
             </a:r>
             <a:r>
-              <a:rPr sz="1800" spc="-10" dirty="0">
+              <a:rPr spc="-10" dirty="0">
                 <a:solidFill>
                   <a:srgbClr val="FFFFFF"/>
                 </a:solidFill>
@@ -2828,17 +2809,17 @@
               <a:t> category</a:t>
             </a:r>
             <a:r>
-              <a:rPr sz="1800" spc="-30" dirty="0">
-                <a:solidFill>
-                  <a:srgbClr val="FFFFFF"/>
-                </a:solidFill>
-                <a:latin typeface="Calibri"/>
-                <a:cs typeface="Calibri"/>
-              </a:rPr>
-              <a:t> </a:t>
-            </a:r>
-            <a:r>
-              <a:rPr sz="1800" dirty="0">
+              <a:rPr spc="-30" dirty="0">
+                <a:solidFill>
+                  <a:srgbClr val="FFFFFF"/>
+                </a:solidFill>
+                <a:latin typeface="Calibri"/>
+                <a:cs typeface="Calibri"/>
+              </a:rPr>
+              <a:t> </a:t>
+            </a:r>
+            <a:r>
+              <a:rPr dirty="0">
                 <a:solidFill>
                   <a:srgbClr val="FFFFFF"/>
                 </a:solidFill>
@@ -2848,17 +2829,17 @@
               <a:t>has</a:t>
             </a:r>
             <a:r>
-              <a:rPr sz="1800" spc="-35" dirty="0">
-                <a:solidFill>
-                  <a:srgbClr val="FFFFFF"/>
-                </a:solidFill>
-                <a:latin typeface="Calibri"/>
-                <a:cs typeface="Calibri"/>
-              </a:rPr>
-              <a:t> </a:t>
-            </a:r>
-            <a:r>
-              <a:rPr sz="1800" dirty="0">
+              <a:rPr spc="-35" dirty="0">
+                <a:solidFill>
+                  <a:srgbClr val="FFFFFF"/>
+                </a:solidFill>
+                <a:latin typeface="Calibri"/>
+                <a:cs typeface="Calibri"/>
+              </a:rPr>
+              <a:t> </a:t>
+            </a:r>
+            <a:r>
+              <a:rPr dirty="0">
                 <a:solidFill>
                   <a:srgbClr val="FFFFFF"/>
                 </a:solidFill>
@@ -2868,17 +2849,17 @@
               <a:t>the</a:t>
             </a:r>
             <a:r>
-              <a:rPr sz="1800" spc="-20" dirty="0">
-                <a:solidFill>
-                  <a:srgbClr val="FFFFFF"/>
-                </a:solidFill>
-                <a:latin typeface="Calibri"/>
-                <a:cs typeface="Calibri"/>
-              </a:rPr>
-              <a:t> </a:t>
-            </a:r>
-            <a:r>
-              <a:rPr sz="1800" dirty="0">
+              <a:rPr spc="-20" dirty="0">
+                <a:solidFill>
+                  <a:srgbClr val="FFFFFF"/>
+                </a:solidFill>
+                <a:latin typeface="Calibri"/>
+                <a:cs typeface="Calibri"/>
+              </a:rPr>
+              <a:t> </a:t>
+            </a:r>
+            <a:r>
+              <a:rPr dirty="0">
                 <a:solidFill>
                   <a:srgbClr val="FFFFFF"/>
                 </a:solidFill>
@@ -2888,17 +2869,17 @@
               <a:t>highest</a:t>
             </a:r>
             <a:r>
-              <a:rPr sz="1800" spc="-40" dirty="0">
-                <a:solidFill>
-                  <a:srgbClr val="FFFFFF"/>
-                </a:solidFill>
-                <a:latin typeface="Calibri"/>
-                <a:cs typeface="Calibri"/>
-              </a:rPr>
-              <a:t> </a:t>
-            </a:r>
-            <a:r>
-              <a:rPr sz="1800" spc="-10" dirty="0">
+              <a:rPr spc="-40" dirty="0">
+                <a:solidFill>
+                  <a:srgbClr val="FFFFFF"/>
+                </a:solidFill>
+                <a:latin typeface="Calibri"/>
+                <a:cs typeface="Calibri"/>
+              </a:rPr>
+              <a:t> </a:t>
+            </a:r>
+            <a:r>
+              <a:rPr spc="-10" dirty="0">
                 <a:solidFill>
                   <a:srgbClr val="FFFFFF"/>
                 </a:solidFill>
@@ -2907,26 +2888,27 @@
               </a:rPr>
               <a:t>sales.</a:t>
             </a:r>
-            <a:endParaRPr sz="1800" dirty="0">
+            <a:endParaRPr dirty="0">
               <a:latin typeface="Calibri"/>
               <a:cs typeface="Calibri"/>
             </a:endParaRPr>
           </a:p>
           <a:p>
-            <a:pPr marL="237490" indent="-224790" algn="l">
+            <a:pPr marL="298450" indent="-285750" algn="just">
               <a:lnSpc>
                 <a:spcPct val="100000"/>
               </a:lnSpc>
               <a:spcBef>
                 <a:spcPts val="1260"/>
               </a:spcBef>
-              <a:buAutoNum type="arabicPeriod" startAt="2"/>
+              <a:buFont typeface="Wingdings" panose="05000000000000000000" pitchFamily="2" charset="2"/>
+              <a:buChar char="Ø"/>
               <a:tabLst>
                 <a:tab pos="237490" algn="l"/>
               </a:tabLst>
             </a:pPr>
             <a:r>
-              <a:rPr sz="1800" dirty="0">
+              <a:rPr dirty="0">
                 <a:solidFill>
                   <a:srgbClr val="FFFFFF"/>
                 </a:solidFill>
@@ -2936,17 +2918,17 @@
               <a:t>The</a:t>
             </a:r>
             <a:r>
-              <a:rPr sz="1800" spc="-25" dirty="0">
-                <a:solidFill>
-                  <a:srgbClr val="FFFFFF"/>
-                </a:solidFill>
-                <a:latin typeface="Calibri"/>
-                <a:cs typeface="Calibri"/>
-              </a:rPr>
-              <a:t> </a:t>
-            </a:r>
-            <a:r>
-              <a:rPr sz="1800" dirty="0">
+              <a:rPr spc="-25" dirty="0">
+                <a:solidFill>
+                  <a:srgbClr val="FFFFFF"/>
+                </a:solidFill>
+                <a:latin typeface="Calibri"/>
+                <a:cs typeface="Calibri"/>
+              </a:rPr>
+              <a:t> </a:t>
+            </a:r>
+            <a:r>
+              <a:rPr dirty="0">
                 <a:solidFill>
                   <a:srgbClr val="FFFFFF"/>
                 </a:solidFill>
@@ -2956,17 +2938,17 @@
               <a:t>sales</a:t>
             </a:r>
             <a:r>
-              <a:rPr sz="1800" spc="-25" dirty="0">
-                <a:solidFill>
-                  <a:srgbClr val="FFFFFF"/>
-                </a:solidFill>
-                <a:latin typeface="Calibri"/>
-                <a:cs typeface="Calibri"/>
-              </a:rPr>
-              <a:t> </a:t>
-            </a:r>
-            <a:r>
-              <a:rPr sz="1800" dirty="0">
+              <a:rPr spc="-25" dirty="0">
+                <a:solidFill>
+                  <a:srgbClr val="FFFFFF"/>
+                </a:solidFill>
+                <a:latin typeface="Calibri"/>
+                <a:cs typeface="Calibri"/>
+              </a:rPr>
+              <a:t> </a:t>
+            </a:r>
+            <a:r>
+              <a:rPr dirty="0">
                 <a:solidFill>
                   <a:srgbClr val="FFFFFF"/>
                 </a:solidFill>
@@ -2976,17 +2958,17 @@
               <a:t>analysis</a:t>
             </a:r>
             <a:r>
-              <a:rPr sz="1800" spc="-35" dirty="0">
-                <a:solidFill>
-                  <a:srgbClr val="FFFFFF"/>
-                </a:solidFill>
-                <a:latin typeface="Calibri"/>
-                <a:cs typeface="Calibri"/>
-              </a:rPr>
-              <a:t> </a:t>
-            </a:r>
-            <a:r>
-              <a:rPr sz="1800" dirty="0">
+              <a:rPr spc="-35" dirty="0">
+                <a:solidFill>
+                  <a:srgbClr val="FFFFFF"/>
+                </a:solidFill>
+                <a:latin typeface="Calibri"/>
+                <a:cs typeface="Calibri"/>
+              </a:rPr>
+              <a:t> </a:t>
+            </a:r>
+            <a:r>
+              <a:rPr dirty="0">
                 <a:solidFill>
                   <a:srgbClr val="FFFFFF"/>
                 </a:solidFill>
@@ -2996,17 +2978,17 @@
               <a:t>needs</a:t>
             </a:r>
             <a:r>
-              <a:rPr sz="1800" spc="-20" dirty="0">
-                <a:solidFill>
-                  <a:srgbClr val="FFFFFF"/>
-                </a:solidFill>
-                <a:latin typeface="Calibri"/>
-                <a:cs typeface="Calibri"/>
-              </a:rPr>
-              <a:t> </a:t>
-            </a:r>
-            <a:r>
-              <a:rPr sz="1800" dirty="0">
+              <a:rPr spc="-20" dirty="0">
+                <a:solidFill>
+                  <a:srgbClr val="FFFFFF"/>
+                </a:solidFill>
+                <a:latin typeface="Calibri"/>
+                <a:cs typeface="Calibri"/>
+              </a:rPr>
+              <a:t> </a:t>
+            </a:r>
+            <a:r>
+              <a:rPr dirty="0">
                 <a:solidFill>
                   <a:srgbClr val="FFFFFF"/>
                 </a:solidFill>
@@ -3016,17 +2998,17 @@
               <a:t>to</a:t>
             </a:r>
             <a:r>
-              <a:rPr sz="1800" spc="-30" dirty="0">
-                <a:solidFill>
-                  <a:srgbClr val="FFFFFF"/>
-                </a:solidFill>
-                <a:latin typeface="Calibri"/>
-                <a:cs typeface="Calibri"/>
-              </a:rPr>
-              <a:t> </a:t>
-            </a:r>
-            <a:r>
-              <a:rPr sz="1800" dirty="0">
+              <a:rPr spc="-30" dirty="0">
+                <a:solidFill>
+                  <a:srgbClr val="FFFFFF"/>
+                </a:solidFill>
+                <a:latin typeface="Calibri"/>
+                <a:cs typeface="Calibri"/>
+              </a:rPr>
+              <a:t> </a:t>
+            </a:r>
+            <a:r>
+              <a:rPr dirty="0">
                 <a:solidFill>
                   <a:srgbClr val="FFFFFF"/>
                 </a:solidFill>
@@ -3036,17 +3018,17 @@
               <a:t>be</a:t>
             </a:r>
             <a:r>
-              <a:rPr sz="1800" spc="-20" dirty="0">
-                <a:solidFill>
-                  <a:srgbClr val="FFFFFF"/>
-                </a:solidFill>
-                <a:latin typeface="Calibri"/>
-                <a:cs typeface="Calibri"/>
-              </a:rPr>
-              <a:t> </a:t>
-            </a:r>
-            <a:r>
-              <a:rPr sz="1800" dirty="0">
+              <a:rPr spc="-20" dirty="0">
+                <a:solidFill>
+                  <a:srgbClr val="FFFFFF"/>
+                </a:solidFill>
+                <a:latin typeface="Calibri"/>
+                <a:cs typeface="Calibri"/>
+              </a:rPr>
+              <a:t> </a:t>
+            </a:r>
+            <a:r>
+              <a:rPr dirty="0">
                 <a:solidFill>
                   <a:srgbClr val="FFFFFF"/>
                 </a:solidFill>
@@ -3056,17 +3038,17 @@
               <a:t>done</a:t>
             </a:r>
             <a:r>
-              <a:rPr sz="1800" spc="-10" dirty="0">
-                <a:solidFill>
-                  <a:srgbClr val="FFFFFF"/>
-                </a:solidFill>
-                <a:latin typeface="Calibri"/>
-                <a:cs typeface="Calibri"/>
-              </a:rPr>
-              <a:t> </a:t>
-            </a:r>
-            <a:r>
-              <a:rPr sz="1800" dirty="0">
+              <a:rPr spc="-10" dirty="0">
+                <a:solidFill>
+                  <a:srgbClr val="FFFFFF"/>
+                </a:solidFill>
+                <a:latin typeface="Calibri"/>
+                <a:cs typeface="Calibri"/>
+              </a:rPr>
+              <a:t> </a:t>
+            </a:r>
+            <a:r>
+              <a:rPr dirty="0">
                 <a:solidFill>
                   <a:srgbClr val="FFFFFF"/>
                 </a:solidFill>
@@ -3076,17 +3058,17 @@
               <a:t>based</a:t>
             </a:r>
             <a:r>
-              <a:rPr sz="1800" spc="-30" dirty="0">
-                <a:solidFill>
-                  <a:srgbClr val="FFFFFF"/>
-                </a:solidFill>
-                <a:latin typeface="Calibri"/>
-                <a:cs typeface="Calibri"/>
-              </a:rPr>
-              <a:t> </a:t>
-            </a:r>
-            <a:r>
-              <a:rPr sz="1800" dirty="0">
+              <a:rPr spc="-30" dirty="0">
+                <a:solidFill>
+                  <a:srgbClr val="FFFFFF"/>
+                </a:solidFill>
+                <a:latin typeface="Calibri"/>
+                <a:cs typeface="Calibri"/>
+              </a:rPr>
+              <a:t> </a:t>
+            </a:r>
+            <a:r>
+              <a:rPr dirty="0">
                 <a:solidFill>
                   <a:srgbClr val="FFFFFF"/>
                 </a:solidFill>
@@ -3096,17 +3078,17 @@
               <a:t>on</a:t>
             </a:r>
             <a:r>
-              <a:rPr sz="1800" spc="-5" dirty="0">
-                <a:solidFill>
-                  <a:srgbClr val="FFFFFF"/>
-                </a:solidFill>
-                <a:latin typeface="Calibri"/>
-                <a:cs typeface="Calibri"/>
-              </a:rPr>
-              <a:t> </a:t>
-            </a:r>
-            <a:r>
-              <a:rPr sz="1800" spc="-10" dirty="0">
+              <a:rPr spc="-5" dirty="0">
+                <a:solidFill>
+                  <a:srgbClr val="FFFFFF"/>
+                </a:solidFill>
+                <a:latin typeface="Calibri"/>
+                <a:cs typeface="Calibri"/>
+              </a:rPr>
+              <a:t> </a:t>
+            </a:r>
+            <a:r>
+              <a:rPr spc="-10" dirty="0">
                 <a:solidFill>
                   <a:srgbClr val="FFFFFF"/>
                 </a:solidFill>
@@ -3115,26 +3097,27 @@
               </a:rPr>
               <a:t>sub-categories</a:t>
             </a:r>
-            <a:endParaRPr sz="1800" dirty="0">
+            <a:endParaRPr dirty="0">
               <a:latin typeface="Calibri"/>
               <a:cs typeface="Calibri"/>
             </a:endParaRPr>
           </a:p>
           <a:p>
-            <a:pPr marL="12700" marR="220345" indent="224154" algn="l">
+            <a:pPr marL="298450" marR="220345" indent="-285750" algn="just">
               <a:lnSpc>
                 <a:spcPct val="100000"/>
               </a:lnSpc>
               <a:spcBef>
                 <a:spcPts val="1325"/>
               </a:spcBef>
-              <a:buAutoNum type="arabicPeriod" startAt="2"/>
+              <a:buFont typeface="Wingdings" panose="05000000000000000000" pitchFamily="2" charset="2"/>
+              <a:buChar char="Ø"/>
               <a:tabLst>
                 <a:tab pos="236854" algn="l"/>
               </a:tabLst>
             </a:pPr>
             <a:r>
-              <a:rPr sz="1800" spc="-40" dirty="0">
+              <a:rPr spc="-40" dirty="0">
                 <a:solidFill>
                   <a:srgbClr val="FFFFFF"/>
                 </a:solidFill>
@@ -3144,17 +3127,17 @@
               <a:t>You</a:t>
             </a:r>
             <a:r>
-              <a:rPr sz="1800" spc="-60" dirty="0">
-                <a:solidFill>
-                  <a:srgbClr val="FFFFFF"/>
-                </a:solidFill>
-                <a:latin typeface="Calibri"/>
-                <a:cs typeface="Calibri"/>
-              </a:rPr>
-              <a:t> </a:t>
-            </a:r>
-            <a:r>
-              <a:rPr sz="1800" dirty="0">
+              <a:rPr spc="-60" dirty="0">
+                <a:solidFill>
+                  <a:srgbClr val="FFFFFF"/>
+                </a:solidFill>
+                <a:latin typeface="Calibri"/>
+                <a:cs typeface="Calibri"/>
+              </a:rPr>
+              <a:t> </a:t>
+            </a:r>
+            <a:r>
+              <a:rPr dirty="0">
                 <a:solidFill>
                   <a:srgbClr val="FFFFFF"/>
                 </a:solidFill>
@@ -3164,17 +3147,17 @@
               <a:t>need</a:t>
             </a:r>
             <a:r>
-              <a:rPr sz="1800" spc="-40" dirty="0">
-                <a:solidFill>
-                  <a:srgbClr val="FFFFFF"/>
-                </a:solidFill>
-                <a:latin typeface="Calibri"/>
-                <a:cs typeface="Calibri"/>
-              </a:rPr>
-              <a:t> </a:t>
-            </a:r>
-            <a:r>
-              <a:rPr sz="1800" dirty="0">
+              <a:rPr spc="-40" dirty="0">
+                <a:solidFill>
+                  <a:srgbClr val="FFFFFF"/>
+                </a:solidFill>
+                <a:latin typeface="Calibri"/>
+                <a:cs typeface="Calibri"/>
+              </a:rPr>
+              <a:t> </a:t>
+            </a:r>
+            <a:r>
+              <a:rPr dirty="0">
                 <a:solidFill>
                   <a:srgbClr val="FFFFFF"/>
                 </a:solidFill>
@@ -3184,17 +3167,17 @@
               <a:t>to</a:t>
             </a:r>
             <a:r>
-              <a:rPr sz="1800" spc="-60" dirty="0">
-                <a:solidFill>
-                  <a:srgbClr val="FFFFFF"/>
-                </a:solidFill>
-                <a:latin typeface="Calibri"/>
-                <a:cs typeface="Calibri"/>
-              </a:rPr>
-              <a:t> </a:t>
-            </a:r>
-            <a:r>
-              <a:rPr sz="1800" dirty="0">
+              <a:rPr spc="-60" dirty="0">
+                <a:solidFill>
+                  <a:srgbClr val="FFFFFF"/>
+                </a:solidFill>
+                <a:latin typeface="Calibri"/>
+                <a:cs typeface="Calibri"/>
+              </a:rPr>
+              <a:t> </a:t>
+            </a:r>
+            <a:r>
+              <a:rPr dirty="0">
                 <a:solidFill>
                   <a:srgbClr val="FFFFFF"/>
                 </a:solidFill>
@@ -3204,17 +3187,17 @@
               <a:t>analyze</a:t>
             </a:r>
             <a:r>
-              <a:rPr sz="1800" spc="-50" dirty="0">
-                <a:solidFill>
-                  <a:srgbClr val="FFFFFF"/>
-                </a:solidFill>
-                <a:latin typeface="Calibri"/>
-                <a:cs typeface="Calibri"/>
-              </a:rPr>
-              <a:t> </a:t>
-            </a:r>
-            <a:r>
-              <a:rPr sz="1800" dirty="0">
+              <a:rPr spc="-50" dirty="0">
+                <a:solidFill>
+                  <a:srgbClr val="FFFFFF"/>
+                </a:solidFill>
+                <a:latin typeface="Calibri"/>
+                <a:cs typeface="Calibri"/>
+              </a:rPr>
+              <a:t> </a:t>
+            </a:r>
+            <a:r>
+              <a:rPr dirty="0">
                 <a:solidFill>
                   <a:srgbClr val="FFFFFF"/>
                 </a:solidFill>
@@ -3224,17 +3207,17 @@
               <a:t>the</a:t>
             </a:r>
             <a:r>
-              <a:rPr sz="1800" spc="-40" dirty="0">
-                <a:solidFill>
-                  <a:srgbClr val="FFFFFF"/>
-                </a:solidFill>
-                <a:latin typeface="Calibri"/>
-                <a:cs typeface="Calibri"/>
-              </a:rPr>
-              <a:t> </a:t>
-            </a:r>
-            <a:r>
-              <a:rPr sz="1800" dirty="0">
+              <a:rPr spc="-40" dirty="0">
+                <a:solidFill>
+                  <a:srgbClr val="FFFFFF"/>
+                </a:solidFill>
+                <a:latin typeface="Calibri"/>
+                <a:cs typeface="Calibri"/>
+              </a:rPr>
+              <a:t> </a:t>
+            </a:r>
+            <a:r>
+              <a:rPr dirty="0">
                 <a:solidFill>
                   <a:srgbClr val="FFFFFF"/>
                 </a:solidFill>
@@ -3244,17 +3227,17 @@
               <a:t>monthly</a:t>
             </a:r>
             <a:r>
-              <a:rPr sz="1800" spc="-50" dirty="0">
-                <a:solidFill>
-                  <a:srgbClr val="FFFFFF"/>
-                </a:solidFill>
-                <a:latin typeface="Calibri"/>
-                <a:cs typeface="Calibri"/>
-              </a:rPr>
-              <a:t> </a:t>
-            </a:r>
-            <a:r>
-              <a:rPr sz="1800" dirty="0">
+              <a:rPr spc="-50" dirty="0">
+                <a:solidFill>
+                  <a:srgbClr val="FFFFFF"/>
+                </a:solidFill>
+                <a:latin typeface="Calibri"/>
+                <a:cs typeface="Calibri"/>
+              </a:rPr>
+              <a:t> </a:t>
+            </a:r>
+            <a:r>
+              <a:rPr dirty="0">
                 <a:solidFill>
                   <a:srgbClr val="FFFFFF"/>
                 </a:solidFill>
@@ -3264,17 +3247,17 @@
               <a:t>profit</a:t>
             </a:r>
             <a:r>
-              <a:rPr sz="1800" spc="-55" dirty="0">
-                <a:solidFill>
-                  <a:srgbClr val="FFFFFF"/>
-                </a:solidFill>
-                <a:latin typeface="Calibri"/>
-                <a:cs typeface="Calibri"/>
-              </a:rPr>
-              <a:t> </a:t>
-            </a:r>
-            <a:r>
-              <a:rPr sz="1800" dirty="0">
+              <a:rPr spc="-55" dirty="0">
+                <a:solidFill>
+                  <a:srgbClr val="FFFFFF"/>
+                </a:solidFill>
+                <a:latin typeface="Calibri"/>
+                <a:cs typeface="Calibri"/>
+              </a:rPr>
+              <a:t> </a:t>
+            </a:r>
+            <a:r>
+              <a:rPr dirty="0">
                 <a:solidFill>
                   <a:srgbClr val="FFFFFF"/>
                 </a:solidFill>
@@ -3284,17 +3267,17 @@
               <a:t>from</a:t>
             </a:r>
             <a:r>
-              <a:rPr sz="1800" spc="-50" dirty="0">
-                <a:solidFill>
-                  <a:srgbClr val="FFFFFF"/>
-                </a:solidFill>
-                <a:latin typeface="Calibri"/>
-                <a:cs typeface="Calibri"/>
-              </a:rPr>
-              <a:t> </a:t>
-            </a:r>
-            <a:r>
-              <a:rPr sz="1800" dirty="0">
+              <a:rPr spc="-50" dirty="0">
+                <a:solidFill>
+                  <a:srgbClr val="FFFFFF"/>
+                </a:solidFill>
+                <a:latin typeface="Calibri"/>
+                <a:cs typeface="Calibri"/>
+              </a:rPr>
+              <a:t> </a:t>
+            </a:r>
+            <a:r>
+              <a:rPr dirty="0">
                 <a:solidFill>
                   <a:srgbClr val="FFFFFF"/>
                 </a:solidFill>
@@ -3304,17 +3287,17 @@
               <a:t>sales</a:t>
             </a:r>
             <a:r>
-              <a:rPr sz="1800" spc="-65" dirty="0">
-                <a:solidFill>
-                  <a:srgbClr val="FFFFFF"/>
-                </a:solidFill>
-                <a:latin typeface="Calibri"/>
-                <a:cs typeface="Calibri"/>
-              </a:rPr>
-              <a:t> </a:t>
-            </a:r>
-            <a:r>
-              <a:rPr sz="1800" dirty="0">
+              <a:rPr spc="-65" dirty="0">
+                <a:solidFill>
+                  <a:srgbClr val="FFFFFF"/>
+                </a:solidFill>
+                <a:latin typeface="Calibri"/>
+                <a:cs typeface="Calibri"/>
+              </a:rPr>
+              <a:t> </a:t>
+            </a:r>
+            <a:r>
+              <a:rPr dirty="0">
                 <a:solidFill>
                   <a:srgbClr val="FFFFFF"/>
                 </a:solidFill>
@@ -3324,17 +3307,17 @@
               <a:t>and</a:t>
             </a:r>
             <a:r>
-              <a:rPr sz="1800" spc="-50" dirty="0">
-                <a:solidFill>
-                  <a:srgbClr val="FFFFFF"/>
-                </a:solidFill>
-                <a:latin typeface="Calibri"/>
-                <a:cs typeface="Calibri"/>
-              </a:rPr>
-              <a:t> </a:t>
-            </a:r>
-            <a:r>
-              <a:rPr sz="1800" dirty="0">
+              <a:rPr spc="-50" dirty="0">
+                <a:solidFill>
+                  <a:srgbClr val="FFFFFF"/>
+                </a:solidFill>
+                <a:latin typeface="Calibri"/>
+                <a:cs typeface="Calibri"/>
+              </a:rPr>
+              <a:t> </a:t>
+            </a:r>
+            <a:r>
+              <a:rPr dirty="0">
                 <a:solidFill>
                   <a:srgbClr val="FFFFFF"/>
                 </a:solidFill>
@@ -3344,17 +3327,17 @@
               <a:t>determine</a:t>
             </a:r>
             <a:r>
-              <a:rPr sz="1800" spc="-30" dirty="0">
-                <a:solidFill>
-                  <a:srgbClr val="FFFFFF"/>
-                </a:solidFill>
-                <a:latin typeface="Calibri"/>
-                <a:cs typeface="Calibri"/>
-              </a:rPr>
-              <a:t> </a:t>
-            </a:r>
-            <a:r>
-              <a:rPr sz="1800" dirty="0">
+              <a:rPr spc="-30" dirty="0">
+                <a:solidFill>
+                  <a:srgbClr val="FFFFFF"/>
+                </a:solidFill>
+                <a:latin typeface="Calibri"/>
+                <a:cs typeface="Calibri"/>
+              </a:rPr>
+              <a:t> </a:t>
+            </a:r>
+            <a:r>
+              <a:rPr dirty="0">
                 <a:solidFill>
                   <a:srgbClr val="FFFFFF"/>
                 </a:solidFill>
@@ -3364,17 +3347,17 @@
               <a:t>which</a:t>
             </a:r>
             <a:r>
-              <a:rPr sz="1800" spc="-30" dirty="0">
-                <a:solidFill>
-                  <a:srgbClr val="FFFFFF"/>
-                </a:solidFill>
-                <a:latin typeface="Calibri"/>
-                <a:cs typeface="Calibri"/>
-              </a:rPr>
-              <a:t> </a:t>
-            </a:r>
-            <a:r>
-              <a:rPr sz="1800" dirty="0">
+              <a:rPr spc="-30" dirty="0">
+                <a:solidFill>
+                  <a:srgbClr val="FFFFFF"/>
+                </a:solidFill>
+                <a:latin typeface="Calibri"/>
+                <a:cs typeface="Calibri"/>
+              </a:rPr>
+              <a:t> </a:t>
+            </a:r>
+            <a:r>
+              <a:rPr dirty="0">
                 <a:solidFill>
                   <a:srgbClr val="FFFFFF"/>
                 </a:solidFill>
@@ -3384,17 +3367,17 @@
               <a:t>month</a:t>
             </a:r>
             <a:r>
-              <a:rPr sz="1800" spc="-60" dirty="0">
-                <a:solidFill>
-                  <a:srgbClr val="FFFFFF"/>
-                </a:solidFill>
-                <a:latin typeface="Calibri"/>
-                <a:cs typeface="Calibri"/>
-              </a:rPr>
-              <a:t> </a:t>
-            </a:r>
-            <a:r>
-              <a:rPr sz="1800" dirty="0">
+              <a:rPr spc="-60" dirty="0">
+                <a:solidFill>
+                  <a:srgbClr val="FFFFFF"/>
+                </a:solidFill>
+                <a:latin typeface="Calibri"/>
+                <a:cs typeface="Calibri"/>
+              </a:rPr>
+              <a:t> </a:t>
+            </a:r>
+            <a:r>
+              <a:rPr dirty="0">
                 <a:solidFill>
                   <a:srgbClr val="FFFFFF"/>
                 </a:solidFill>
@@ -3404,17 +3387,17 @@
               <a:t>had</a:t>
             </a:r>
             <a:r>
-              <a:rPr sz="1800" spc="-40" dirty="0">
-                <a:solidFill>
-                  <a:srgbClr val="FFFFFF"/>
-                </a:solidFill>
-                <a:latin typeface="Calibri"/>
-                <a:cs typeface="Calibri"/>
-              </a:rPr>
-              <a:t> </a:t>
-            </a:r>
-            <a:r>
-              <a:rPr sz="1800" spc="-25" dirty="0">
+              <a:rPr spc="-40" dirty="0">
+                <a:solidFill>
+                  <a:srgbClr val="FFFFFF"/>
+                </a:solidFill>
+                <a:latin typeface="Calibri"/>
+                <a:cs typeface="Calibri"/>
+              </a:rPr>
+              <a:t> </a:t>
+            </a:r>
+            <a:r>
+              <a:rPr spc="-25" dirty="0">
                 <a:solidFill>
                   <a:srgbClr val="FFFFFF"/>
                 </a:solidFill>
@@ -3424,7 +3407,7 @@
               <a:t>the </a:t>
             </a:r>
             <a:r>
-              <a:rPr sz="1800" dirty="0">
+              <a:rPr dirty="0">
                 <a:solidFill>
                   <a:srgbClr val="FFFFFF"/>
                 </a:solidFill>
@@ -3434,17 +3417,17 @@
               <a:t>highest</a:t>
             </a:r>
             <a:r>
-              <a:rPr sz="1800" spc="-55" dirty="0">
-                <a:solidFill>
-                  <a:srgbClr val="FFFFFF"/>
-                </a:solidFill>
-                <a:latin typeface="Calibri"/>
-                <a:cs typeface="Calibri"/>
-              </a:rPr>
-              <a:t> </a:t>
-            </a:r>
-            <a:r>
-              <a:rPr sz="1800" spc="-10" dirty="0">
+              <a:rPr spc="-55" dirty="0">
+                <a:solidFill>
+                  <a:srgbClr val="FFFFFF"/>
+                </a:solidFill>
+                <a:latin typeface="Calibri"/>
+                <a:cs typeface="Calibri"/>
+              </a:rPr>
+              <a:t> </a:t>
+            </a:r>
+            <a:r>
+              <a:rPr spc="-10" dirty="0">
                 <a:solidFill>
                   <a:srgbClr val="FFFFFF"/>
                 </a:solidFill>
@@ -3453,26 +3436,27 @@
               </a:rPr>
               <a:t>profit.</a:t>
             </a:r>
-            <a:endParaRPr sz="1800" dirty="0">
+            <a:endParaRPr dirty="0">
               <a:latin typeface="Calibri"/>
               <a:cs typeface="Calibri"/>
             </a:endParaRPr>
           </a:p>
           <a:p>
-            <a:pPr marL="237490" indent="-224790" algn="l">
+            <a:pPr marL="298450" indent="-285750" algn="just">
               <a:lnSpc>
                 <a:spcPct val="100000"/>
               </a:lnSpc>
               <a:spcBef>
                 <a:spcPts val="1200"/>
               </a:spcBef>
-              <a:buAutoNum type="arabicPeriod" startAt="2"/>
+              <a:buFont typeface="Wingdings" panose="05000000000000000000" pitchFamily="2" charset="2"/>
+              <a:buChar char="Ø"/>
               <a:tabLst>
                 <a:tab pos="237490" algn="l"/>
               </a:tabLst>
             </a:pPr>
             <a:r>
-              <a:rPr sz="1800" dirty="0">
+              <a:rPr dirty="0">
                 <a:solidFill>
                   <a:srgbClr val="FFFFFF"/>
                 </a:solidFill>
@@ -3482,17 +3466,17 @@
               <a:t>Analyze</a:t>
             </a:r>
             <a:r>
-              <a:rPr sz="1800" spc="-50" dirty="0">
-                <a:solidFill>
-                  <a:srgbClr val="FFFFFF"/>
-                </a:solidFill>
-                <a:latin typeface="Calibri"/>
-                <a:cs typeface="Calibri"/>
-              </a:rPr>
-              <a:t> </a:t>
-            </a:r>
-            <a:r>
-              <a:rPr sz="1800" dirty="0">
+              <a:rPr spc="-50" dirty="0">
+                <a:solidFill>
+                  <a:srgbClr val="FFFFFF"/>
+                </a:solidFill>
+                <a:latin typeface="Calibri"/>
+                <a:cs typeface="Calibri"/>
+              </a:rPr>
+              <a:t> </a:t>
+            </a:r>
+            <a:r>
+              <a:rPr dirty="0">
                 <a:solidFill>
                   <a:srgbClr val="FFFFFF"/>
                 </a:solidFill>
@@ -3502,17 +3486,17 @@
               <a:t>the</a:t>
             </a:r>
             <a:r>
-              <a:rPr sz="1800" spc="-45" dirty="0">
-                <a:solidFill>
-                  <a:srgbClr val="FFFFFF"/>
-                </a:solidFill>
-                <a:latin typeface="Calibri"/>
-                <a:cs typeface="Calibri"/>
-              </a:rPr>
-              <a:t> </a:t>
-            </a:r>
-            <a:r>
-              <a:rPr sz="1800" dirty="0">
+              <a:rPr spc="-45" dirty="0">
+                <a:solidFill>
+                  <a:srgbClr val="FFFFFF"/>
+                </a:solidFill>
+                <a:latin typeface="Calibri"/>
+                <a:cs typeface="Calibri"/>
+              </a:rPr>
+              <a:t> </a:t>
+            </a:r>
+            <a:r>
+              <a:rPr dirty="0">
                 <a:solidFill>
                   <a:srgbClr val="FFFFFF"/>
                 </a:solidFill>
@@ -3522,17 +3506,17 @@
               <a:t>profit</a:t>
             </a:r>
             <a:r>
-              <a:rPr sz="1800" spc="-40" dirty="0">
-                <a:solidFill>
-                  <a:srgbClr val="FFFFFF"/>
-                </a:solidFill>
-                <a:latin typeface="Calibri"/>
-                <a:cs typeface="Calibri"/>
-              </a:rPr>
-              <a:t> </a:t>
-            </a:r>
-            <a:r>
-              <a:rPr sz="1800" dirty="0">
+              <a:rPr spc="-40" dirty="0">
+                <a:solidFill>
+                  <a:srgbClr val="FFFFFF"/>
+                </a:solidFill>
+                <a:latin typeface="Calibri"/>
+                <a:cs typeface="Calibri"/>
+              </a:rPr>
+              <a:t> </a:t>
+            </a:r>
+            <a:r>
+              <a:rPr dirty="0">
                 <a:solidFill>
                   <a:srgbClr val="FFFFFF"/>
                 </a:solidFill>
@@ -3542,17 +3526,17 @@
               <a:t>by</a:t>
             </a:r>
             <a:r>
-              <a:rPr sz="1800" spc="-50" dirty="0">
-                <a:solidFill>
-                  <a:srgbClr val="FFFFFF"/>
-                </a:solidFill>
-                <a:latin typeface="Calibri"/>
-                <a:cs typeface="Calibri"/>
-              </a:rPr>
-              <a:t> </a:t>
-            </a:r>
-            <a:r>
-              <a:rPr sz="1800" dirty="0">
+              <a:rPr spc="-50" dirty="0">
+                <a:solidFill>
+                  <a:srgbClr val="FFFFFF"/>
+                </a:solidFill>
+                <a:latin typeface="Calibri"/>
+                <a:cs typeface="Calibri"/>
+              </a:rPr>
+              <a:t> </a:t>
+            </a:r>
+            <a:r>
+              <a:rPr dirty="0">
                 <a:solidFill>
                   <a:srgbClr val="FFFFFF"/>
                 </a:solidFill>
@@ -3562,17 +3546,17 @@
               <a:t>category</a:t>
             </a:r>
             <a:r>
-              <a:rPr sz="1800" spc="-45" dirty="0">
-                <a:solidFill>
-                  <a:srgbClr val="FFFFFF"/>
-                </a:solidFill>
-                <a:latin typeface="Calibri"/>
-                <a:cs typeface="Calibri"/>
-              </a:rPr>
-              <a:t> </a:t>
-            </a:r>
-            <a:r>
-              <a:rPr sz="1800" dirty="0">
+              <a:rPr spc="-45" dirty="0">
+                <a:solidFill>
+                  <a:srgbClr val="FFFFFF"/>
+                </a:solidFill>
+                <a:latin typeface="Calibri"/>
+                <a:cs typeface="Calibri"/>
+              </a:rPr>
+              <a:t> </a:t>
+            </a:r>
+            <a:r>
+              <a:rPr dirty="0">
                 <a:solidFill>
                   <a:srgbClr val="FFFFFF"/>
                 </a:solidFill>
@@ -3582,17 +3566,17 @@
               <a:t>and</a:t>
             </a:r>
             <a:r>
-              <a:rPr sz="1800" spc="-35" dirty="0">
-                <a:solidFill>
-                  <a:srgbClr val="FFFFFF"/>
-                </a:solidFill>
-                <a:latin typeface="Calibri"/>
-                <a:cs typeface="Calibri"/>
-              </a:rPr>
-              <a:t> </a:t>
-            </a:r>
-            <a:r>
-              <a:rPr sz="1800" spc="-10" dirty="0">
+              <a:rPr spc="-35" dirty="0">
+                <a:solidFill>
+                  <a:srgbClr val="FFFFFF"/>
+                </a:solidFill>
+                <a:latin typeface="Calibri"/>
+                <a:cs typeface="Calibri"/>
+              </a:rPr>
+              <a:t> </a:t>
+            </a:r>
+            <a:r>
+              <a:rPr spc="-10" dirty="0">
                 <a:solidFill>
                   <a:srgbClr val="FFFFFF"/>
                 </a:solidFill>
@@ -3601,26 +3585,27 @@
               </a:rPr>
               <a:t>sub-category.</a:t>
             </a:r>
-            <a:endParaRPr sz="1800" dirty="0">
+            <a:endParaRPr dirty="0">
               <a:latin typeface="Calibri"/>
               <a:cs typeface="Calibri"/>
             </a:endParaRPr>
           </a:p>
           <a:p>
-            <a:pPr marL="236854" indent="-224154" algn="l">
+            <a:pPr marL="298450" indent="-285750" algn="just">
               <a:lnSpc>
                 <a:spcPct val="100000"/>
               </a:lnSpc>
               <a:spcBef>
                 <a:spcPts val="1200"/>
               </a:spcBef>
-              <a:buAutoNum type="arabicPeriod" startAt="2"/>
+              <a:buFont typeface="Wingdings" panose="05000000000000000000" pitchFamily="2" charset="2"/>
+              <a:buChar char="Ø"/>
               <a:tabLst>
                 <a:tab pos="236854" algn="l"/>
               </a:tabLst>
             </a:pPr>
             <a:r>
-              <a:rPr sz="1800" dirty="0">
+              <a:rPr dirty="0">
                 <a:solidFill>
                   <a:srgbClr val="FFFFFF"/>
                 </a:solidFill>
@@ -3630,17 +3615,17 @@
               <a:t>Analyze</a:t>
             </a:r>
             <a:r>
-              <a:rPr sz="1800" spc="-45" dirty="0">
-                <a:solidFill>
-                  <a:srgbClr val="FFFFFF"/>
-                </a:solidFill>
-                <a:latin typeface="Calibri"/>
-                <a:cs typeface="Calibri"/>
-              </a:rPr>
-              <a:t> </a:t>
-            </a:r>
-            <a:r>
-              <a:rPr sz="1800" dirty="0">
+              <a:rPr spc="-45" dirty="0">
+                <a:solidFill>
+                  <a:srgbClr val="FFFFFF"/>
+                </a:solidFill>
+                <a:latin typeface="Calibri"/>
+                <a:cs typeface="Calibri"/>
+              </a:rPr>
+              <a:t> </a:t>
+            </a:r>
+            <a:r>
+              <a:rPr dirty="0">
                 <a:solidFill>
                   <a:srgbClr val="FFFFFF"/>
                 </a:solidFill>
@@ -3650,17 +3635,17 @@
               <a:t>the</a:t>
             </a:r>
             <a:r>
-              <a:rPr sz="1800" spc="-35" dirty="0">
-                <a:solidFill>
-                  <a:srgbClr val="FFFFFF"/>
-                </a:solidFill>
-                <a:latin typeface="Calibri"/>
-                <a:cs typeface="Calibri"/>
-              </a:rPr>
-              <a:t> </a:t>
-            </a:r>
-            <a:r>
-              <a:rPr sz="1800" dirty="0">
+              <a:rPr spc="-35" dirty="0">
+                <a:solidFill>
+                  <a:srgbClr val="FFFFFF"/>
+                </a:solidFill>
+                <a:latin typeface="Calibri"/>
+                <a:cs typeface="Calibri"/>
+              </a:rPr>
+              <a:t> </a:t>
+            </a:r>
+            <a:r>
+              <a:rPr dirty="0">
                 <a:solidFill>
                   <a:srgbClr val="FFFFFF"/>
                 </a:solidFill>
@@ -3670,17 +3655,17 @@
               <a:t>sales</a:t>
             </a:r>
             <a:r>
-              <a:rPr sz="1800" spc="-55" dirty="0">
-                <a:solidFill>
-                  <a:srgbClr val="FFFFFF"/>
-                </a:solidFill>
-                <a:latin typeface="Calibri"/>
-                <a:cs typeface="Calibri"/>
-              </a:rPr>
-              <a:t> </a:t>
-            </a:r>
-            <a:r>
-              <a:rPr sz="1800" dirty="0">
+              <a:rPr spc="-55" dirty="0">
+                <a:solidFill>
+                  <a:srgbClr val="FFFFFF"/>
+                </a:solidFill>
+                <a:latin typeface="Calibri"/>
+                <a:cs typeface="Calibri"/>
+              </a:rPr>
+              <a:t> </a:t>
+            </a:r>
+            <a:r>
+              <a:rPr dirty="0">
                 <a:solidFill>
                   <a:srgbClr val="FFFFFF"/>
                 </a:solidFill>
@@ -3690,17 +3675,17 @@
               <a:t>and</a:t>
             </a:r>
             <a:r>
-              <a:rPr sz="1800" spc="-30" dirty="0">
-                <a:solidFill>
-                  <a:srgbClr val="FFFFFF"/>
-                </a:solidFill>
-                <a:latin typeface="Calibri"/>
-                <a:cs typeface="Calibri"/>
-              </a:rPr>
-              <a:t> </a:t>
-            </a:r>
-            <a:r>
-              <a:rPr sz="1800" dirty="0">
+              <a:rPr spc="-30" dirty="0">
+                <a:solidFill>
+                  <a:srgbClr val="FFFFFF"/>
+                </a:solidFill>
+                <a:latin typeface="Calibri"/>
+                <a:cs typeface="Calibri"/>
+              </a:rPr>
+              <a:t> </a:t>
+            </a:r>
+            <a:r>
+              <a:rPr dirty="0">
                 <a:solidFill>
                   <a:srgbClr val="FFFFFF"/>
                 </a:solidFill>
@@ -3710,17 +3695,17 @@
               <a:t>profit</a:t>
             </a:r>
             <a:r>
-              <a:rPr sz="1800" spc="-45" dirty="0">
-                <a:solidFill>
-                  <a:srgbClr val="FFFFFF"/>
-                </a:solidFill>
-                <a:latin typeface="Calibri"/>
-                <a:cs typeface="Calibri"/>
-              </a:rPr>
-              <a:t> </a:t>
-            </a:r>
-            <a:r>
-              <a:rPr sz="1800" dirty="0">
+              <a:rPr spc="-45" dirty="0">
+                <a:solidFill>
+                  <a:srgbClr val="FFFFFF"/>
+                </a:solidFill>
+                <a:latin typeface="Calibri"/>
+                <a:cs typeface="Calibri"/>
+              </a:rPr>
+              <a:t> </a:t>
+            </a:r>
+            <a:r>
+              <a:rPr dirty="0">
                 <a:solidFill>
                   <a:srgbClr val="FFFFFF"/>
                 </a:solidFill>
@@ -3730,17 +3715,17 @@
               <a:t>by</a:t>
             </a:r>
             <a:r>
-              <a:rPr sz="1800" spc="-40" dirty="0">
-                <a:solidFill>
-                  <a:srgbClr val="FFFFFF"/>
-                </a:solidFill>
-                <a:latin typeface="Calibri"/>
-                <a:cs typeface="Calibri"/>
-              </a:rPr>
-              <a:t> </a:t>
-            </a:r>
-            <a:r>
-              <a:rPr sz="1800" spc="-10" dirty="0">
+              <a:rPr spc="-40" dirty="0">
+                <a:solidFill>
+                  <a:srgbClr val="FFFFFF"/>
+                </a:solidFill>
+                <a:latin typeface="Calibri"/>
+                <a:cs typeface="Calibri"/>
+              </a:rPr>
+              <a:t> </a:t>
+            </a:r>
+            <a:r>
+              <a:rPr spc="-10" dirty="0">
                 <a:solidFill>
                   <a:srgbClr val="FFFFFF"/>
                 </a:solidFill>
@@ -3750,17 +3735,17 @@
               <a:t>customer</a:t>
             </a:r>
             <a:r>
-              <a:rPr sz="1800" spc="-40" dirty="0">
-                <a:solidFill>
-                  <a:srgbClr val="FFFFFF"/>
-                </a:solidFill>
-                <a:latin typeface="Calibri"/>
-                <a:cs typeface="Calibri"/>
-              </a:rPr>
-              <a:t> </a:t>
-            </a:r>
-            <a:r>
-              <a:rPr sz="1800" spc="-10" dirty="0">
+              <a:rPr spc="-40" dirty="0">
+                <a:solidFill>
+                  <a:srgbClr val="FFFFFF"/>
+                </a:solidFill>
+                <a:latin typeface="Calibri"/>
+                <a:cs typeface="Calibri"/>
+              </a:rPr>
+              <a:t> </a:t>
+            </a:r>
+            <a:r>
+              <a:rPr spc="-10" dirty="0">
                 <a:solidFill>
                   <a:srgbClr val="FFFFFF"/>
                 </a:solidFill>
@@ -3769,26 +3754,27 @@
               </a:rPr>
               <a:t>segment</a:t>
             </a:r>
-            <a:endParaRPr sz="1800" dirty="0">
+            <a:endParaRPr dirty="0">
               <a:latin typeface="Calibri"/>
               <a:cs typeface="Calibri"/>
             </a:endParaRPr>
           </a:p>
           <a:p>
-            <a:pPr marL="236854" indent="-224154" algn="l">
+            <a:pPr marL="298450" indent="-285750" algn="just">
               <a:lnSpc>
                 <a:spcPct val="100000"/>
               </a:lnSpc>
               <a:spcBef>
                 <a:spcPts val="1200"/>
               </a:spcBef>
-              <a:buAutoNum type="arabicPeriod" startAt="2"/>
+              <a:buFont typeface="Wingdings" panose="05000000000000000000" pitchFamily="2" charset="2"/>
+              <a:buChar char="Ø"/>
               <a:tabLst>
                 <a:tab pos="236854" algn="l"/>
               </a:tabLst>
             </a:pPr>
             <a:r>
-              <a:rPr sz="1800" dirty="0">
+              <a:rPr dirty="0">
                 <a:solidFill>
                   <a:srgbClr val="FFFFFF"/>
                 </a:solidFill>
@@ -3798,17 +3784,17 @@
               <a:t>Analyze</a:t>
             </a:r>
             <a:r>
-              <a:rPr sz="1800" spc="-50" dirty="0">
-                <a:solidFill>
-                  <a:srgbClr val="FFFFFF"/>
-                </a:solidFill>
-                <a:latin typeface="Calibri"/>
-                <a:cs typeface="Calibri"/>
-              </a:rPr>
-              <a:t> </a:t>
-            </a:r>
-            <a:r>
-              <a:rPr sz="1800" dirty="0">
+              <a:rPr spc="-50" dirty="0">
+                <a:solidFill>
+                  <a:srgbClr val="FFFFFF"/>
+                </a:solidFill>
+                <a:latin typeface="Calibri"/>
+                <a:cs typeface="Calibri"/>
+              </a:rPr>
+              <a:t> </a:t>
+            </a:r>
+            <a:r>
+              <a:rPr dirty="0">
                 <a:solidFill>
                   <a:srgbClr val="FFFFFF"/>
                 </a:solidFill>
@@ -3818,17 +3804,17 @@
               <a:t>the</a:t>
             </a:r>
             <a:r>
-              <a:rPr sz="1800" spc="-40" dirty="0">
-                <a:solidFill>
-                  <a:srgbClr val="FFFFFF"/>
-                </a:solidFill>
-                <a:latin typeface="Calibri"/>
-                <a:cs typeface="Calibri"/>
-              </a:rPr>
-              <a:t> </a:t>
-            </a:r>
-            <a:r>
-              <a:rPr sz="1800" dirty="0">
+              <a:rPr spc="-40" dirty="0">
+                <a:solidFill>
+                  <a:srgbClr val="FFFFFF"/>
+                </a:solidFill>
+                <a:latin typeface="Calibri"/>
+                <a:cs typeface="Calibri"/>
+              </a:rPr>
+              <a:t> </a:t>
+            </a:r>
+            <a:r>
+              <a:rPr dirty="0">
                 <a:solidFill>
                   <a:srgbClr val="FFFFFF"/>
                 </a:solidFill>
@@ -3838,17 +3824,17 @@
               <a:t>sales</a:t>
             </a:r>
             <a:r>
-              <a:rPr sz="1800" spc="-60" dirty="0">
-                <a:solidFill>
-                  <a:srgbClr val="FFFFFF"/>
-                </a:solidFill>
-                <a:latin typeface="Calibri"/>
-                <a:cs typeface="Calibri"/>
-              </a:rPr>
-              <a:t> </a:t>
-            </a:r>
-            <a:r>
-              <a:rPr sz="1800" dirty="0">
+              <a:rPr spc="-60" dirty="0">
+                <a:solidFill>
+                  <a:srgbClr val="FFFFFF"/>
+                </a:solidFill>
+                <a:latin typeface="Calibri"/>
+                <a:cs typeface="Calibri"/>
+              </a:rPr>
+              <a:t> </a:t>
+            </a:r>
+            <a:r>
+              <a:rPr dirty="0">
                 <a:solidFill>
                   <a:srgbClr val="FFFFFF"/>
                 </a:solidFill>
@@ -3858,17 +3844,17 @@
               <a:t>to</a:t>
             </a:r>
             <a:r>
-              <a:rPr sz="1800" spc="-40" dirty="0">
-                <a:solidFill>
-                  <a:srgbClr val="FFFFFF"/>
-                </a:solidFill>
-                <a:latin typeface="Calibri"/>
-                <a:cs typeface="Calibri"/>
-              </a:rPr>
-              <a:t> </a:t>
-            </a:r>
-            <a:r>
-              <a:rPr sz="1800" dirty="0">
+              <a:rPr spc="-40" dirty="0">
+                <a:solidFill>
+                  <a:srgbClr val="FFFFFF"/>
+                </a:solidFill>
+                <a:latin typeface="Calibri"/>
+                <a:cs typeface="Calibri"/>
+              </a:rPr>
+              <a:t> </a:t>
+            </a:r>
+            <a:r>
+              <a:rPr dirty="0">
                 <a:solidFill>
                   <a:srgbClr val="FFFFFF"/>
                 </a:solidFill>
@@ -3878,17 +3864,17 @@
               <a:t>profit</a:t>
             </a:r>
             <a:r>
-              <a:rPr sz="1800" spc="-55" dirty="0">
-                <a:solidFill>
-                  <a:srgbClr val="FFFFFF"/>
-                </a:solidFill>
-                <a:latin typeface="Calibri"/>
-                <a:cs typeface="Calibri"/>
-              </a:rPr>
-              <a:t> </a:t>
-            </a:r>
-            <a:r>
-              <a:rPr sz="1800" spc="-20" dirty="0">
+              <a:rPr spc="-55" dirty="0">
+                <a:solidFill>
+                  <a:srgbClr val="FFFFFF"/>
+                </a:solidFill>
+                <a:latin typeface="Calibri"/>
+                <a:cs typeface="Calibri"/>
+              </a:rPr>
+              <a:t> </a:t>
+            </a:r>
+            <a:r>
+              <a:rPr spc="-20" dirty="0">
                 <a:solidFill>
                   <a:srgbClr val="FFFFFF"/>
                 </a:solidFill>
@@ -3897,7 +3883,7 @@
               </a:rPr>
               <a:t>ratio</a:t>
             </a:r>
-            <a:endParaRPr sz="1800" dirty="0">
+            <a:endParaRPr dirty="0">
               <a:latin typeface="Calibri"/>
               <a:cs typeface="Calibri"/>
             </a:endParaRPr>
